--- a/plan.pptx
+++ b/plan.pptx
@@ -6,6 +6,7 @@
   </p:sldMasterIdLst>
   <p:sldIdLst>
     <p:sldId id="256" r:id="rId2"/>
+    <p:sldId id="257" r:id="rId3"/>
   </p:sldIdLst>
   <p:sldSz cx="24384000" cy="13716000"/>
   <p:notesSz cx="6858000" cy="9144000"/>
@@ -2981,6 +2982,51 @@
           <a:chExt cx="0" cy="0"/>
         </a:xfrm>
       </p:grpSpPr>
+      <p:cxnSp>
+        <p:nvCxnSpPr>
+          <p:cNvPr id="70" name="Straight Arrow Connector 69">
+            <a:extLst>
+              <a:ext uri="{FF2B5EF4-FFF2-40B4-BE49-F238E27FC236}">
+                <a16:creationId xmlns:a16="http://schemas.microsoft.com/office/drawing/2014/main" id="{0A014F32-6AC9-4A94-91FA-0E3BB89B8474}"/>
+              </a:ext>
+            </a:extLst>
+          </p:cNvPr>
+          <p:cNvCxnSpPr>
+            <a:cxnSpLocks/>
+          </p:cNvCxnSpPr>
+          <p:nvPr/>
+        </p:nvCxnSpPr>
+        <p:spPr>
+          <a:xfrm>
+            <a:off x="867956" y="1274467"/>
+            <a:ext cx="0" cy="9442148"/>
+          </a:xfrm>
+          <a:prstGeom prst="straightConnector1">
+            <a:avLst/>
+          </a:prstGeom>
+          <a:ln>
+            <a:solidFill>
+              <a:schemeClr val="bg1"/>
+            </a:solidFill>
+            <a:headEnd type="triangle"/>
+            <a:tailEnd type="triangle"/>
+          </a:ln>
+        </p:spPr>
+        <p:style>
+          <a:lnRef idx="1">
+            <a:schemeClr val="accent1"/>
+          </a:lnRef>
+          <a:fillRef idx="0">
+            <a:schemeClr val="accent1"/>
+          </a:fillRef>
+          <a:effectRef idx="0">
+            <a:schemeClr val="accent1"/>
+          </a:effectRef>
+          <a:fontRef idx="minor">
+            <a:schemeClr val="tx1"/>
+          </a:fontRef>
+        </p:style>
+      </p:cxnSp>
       <p:grpSp>
         <p:nvGrpSpPr>
           <p:cNvPr id="27" name="Group 26">
@@ -5656,7 +5702,7 @@
         </p:nvSpPr>
         <p:spPr>
           <a:xfrm>
-            <a:off x="1293153" y="11733492"/>
+            <a:off x="6398256" y="12680369"/>
             <a:ext cx="3209490" cy="708040"/>
           </a:xfrm>
           <a:prstGeom prst="rect">
@@ -6592,10 +6638,3344 @@
           </a:fontRef>
         </p:style>
       </p:cxnSp>
+      <p:sp>
+        <p:nvSpPr>
+          <p:cNvPr id="59" name="Rectangle 58">
+            <a:extLst>
+              <a:ext uri="{FF2B5EF4-FFF2-40B4-BE49-F238E27FC236}">
+                <a16:creationId xmlns:a16="http://schemas.microsoft.com/office/drawing/2014/main" id="{774FB977-1581-48DA-9437-55C2A3F278F8}"/>
+              </a:ext>
+            </a:extLst>
+          </p:cNvPr>
+          <p:cNvSpPr/>
+          <p:nvPr/>
+        </p:nvSpPr>
+        <p:spPr>
+          <a:xfrm>
+            <a:off x="546579" y="10716615"/>
+            <a:ext cx="3209490" cy="708040"/>
+          </a:xfrm>
+          <a:prstGeom prst="rect">
+            <a:avLst/>
+          </a:prstGeom>
+          <a:solidFill>
+            <a:schemeClr val="tx1">
+              <a:lumMod val="75000"/>
+              <a:lumOff val="25000"/>
+            </a:schemeClr>
+          </a:solidFill>
+          <a:ln>
+            <a:noFill/>
+          </a:ln>
+        </p:spPr>
+        <p:style>
+          <a:lnRef idx="2">
+            <a:schemeClr val="accent1">
+              <a:shade val="50000"/>
+            </a:schemeClr>
+          </a:lnRef>
+          <a:fillRef idx="1">
+            <a:schemeClr val="accent1"/>
+          </a:fillRef>
+          <a:effectRef idx="0">
+            <a:schemeClr val="accent1"/>
+          </a:effectRef>
+          <a:fontRef idx="minor">
+            <a:schemeClr val="lt1"/>
+          </a:fontRef>
+        </p:style>
+        <p:txBody>
+          <a:bodyPr rtlCol="0" anchor="ctr"/>
+          <a:lstStyle/>
+          <a:p>
+            <a:pPr algn="ctr"/>
+            <a:r>
+              <a:rPr lang="en-HK" sz="2800" dirty="0">
+                <a:effectLst>
+                  <a:glow rad="101600">
+                    <a:schemeClr val="tx1">
+                      <a:alpha val="60000"/>
+                    </a:schemeClr>
+                  </a:glow>
+                </a:effectLst>
+                <a:latin typeface="Consolas" panose="020B0609020204030204" pitchFamily="49" charset="0"/>
+              </a:rPr>
+              <a:t>stopover</a:t>
+            </a:r>
+            <a:endParaRPr lang="en-GB" sz="2800" dirty="0">
+              <a:effectLst>
+                <a:glow rad="101600">
+                  <a:schemeClr val="tx1">
+                    <a:alpha val="60000"/>
+                  </a:schemeClr>
+                </a:glow>
+              </a:effectLst>
+              <a:latin typeface="Consolas" panose="020B0609020204030204" pitchFamily="49" charset="0"/>
+            </a:endParaRPr>
+          </a:p>
+        </p:txBody>
+      </p:sp>
+      <p:sp>
+        <p:nvSpPr>
+          <p:cNvPr id="60" name="Rectangle 59">
+            <a:extLst>
+              <a:ext uri="{FF2B5EF4-FFF2-40B4-BE49-F238E27FC236}">
+                <a16:creationId xmlns:a16="http://schemas.microsoft.com/office/drawing/2014/main" id="{9D882E19-E8C8-4F0D-A1A4-DDE7793F23DC}"/>
+              </a:ext>
+            </a:extLst>
+          </p:cNvPr>
+          <p:cNvSpPr/>
+          <p:nvPr/>
+        </p:nvSpPr>
+        <p:spPr>
+          <a:xfrm>
+            <a:off x="546579" y="11732266"/>
+            <a:ext cx="3209490" cy="708040"/>
+          </a:xfrm>
+          <a:prstGeom prst="rect">
+            <a:avLst/>
+          </a:prstGeom>
+          <a:solidFill>
+            <a:schemeClr val="tx1">
+              <a:lumMod val="75000"/>
+              <a:lumOff val="25000"/>
+            </a:schemeClr>
+          </a:solidFill>
+          <a:ln>
+            <a:noFill/>
+          </a:ln>
+        </p:spPr>
+        <p:style>
+          <a:lnRef idx="2">
+            <a:schemeClr val="accent1">
+              <a:shade val="50000"/>
+            </a:schemeClr>
+          </a:lnRef>
+          <a:fillRef idx="1">
+            <a:schemeClr val="accent1"/>
+          </a:fillRef>
+          <a:effectRef idx="0">
+            <a:schemeClr val="accent1"/>
+          </a:effectRef>
+          <a:fontRef idx="minor">
+            <a:schemeClr val="lt1"/>
+          </a:fontRef>
+        </p:style>
+        <p:txBody>
+          <a:bodyPr rtlCol="0" anchor="ctr"/>
+          <a:lstStyle/>
+          <a:p>
+            <a:pPr algn="ctr"/>
+            <a:r>
+              <a:rPr lang="en-HK" sz="2800" dirty="0">
+                <a:effectLst>
+                  <a:glow rad="101600">
+                    <a:schemeClr val="tx1">
+                      <a:alpha val="60000"/>
+                    </a:schemeClr>
+                  </a:glow>
+                </a:effectLst>
+                <a:latin typeface="Consolas" panose="020B0609020204030204" pitchFamily="49" charset="0"/>
+              </a:rPr>
+              <a:t>distance</a:t>
+            </a:r>
+            <a:endParaRPr lang="en-GB" sz="2800" dirty="0">
+              <a:effectLst>
+                <a:glow rad="101600">
+                  <a:schemeClr val="tx1">
+                    <a:alpha val="60000"/>
+                  </a:schemeClr>
+                </a:glow>
+              </a:effectLst>
+              <a:latin typeface="Consolas" panose="020B0609020204030204" pitchFamily="49" charset="0"/>
+            </a:endParaRPr>
+          </a:p>
+        </p:txBody>
+      </p:sp>
+      <p:cxnSp>
+        <p:nvCxnSpPr>
+          <p:cNvPr id="11" name="Straight Arrow Connector 10">
+            <a:extLst>
+              <a:ext uri="{FF2B5EF4-FFF2-40B4-BE49-F238E27FC236}">
+                <a16:creationId xmlns:a16="http://schemas.microsoft.com/office/drawing/2014/main" id="{6BAD928A-AA23-4FBE-BA1F-743FD5F7C1FC}"/>
+              </a:ext>
+            </a:extLst>
+          </p:cNvPr>
+          <p:cNvCxnSpPr>
+            <a:stCxn id="59" idx="2"/>
+            <a:endCxn id="60" idx="0"/>
+          </p:cNvCxnSpPr>
+          <p:nvPr/>
+        </p:nvCxnSpPr>
+        <p:spPr>
+          <a:xfrm>
+            <a:off x="2151324" y="11424655"/>
+            <a:ext cx="0" cy="307611"/>
+          </a:xfrm>
+          <a:prstGeom prst="straightConnector1">
+            <a:avLst/>
+          </a:prstGeom>
+          <a:ln>
+            <a:solidFill>
+              <a:schemeClr val="bg1"/>
+            </a:solidFill>
+            <a:headEnd type="triangle"/>
+            <a:tailEnd type="triangle"/>
+          </a:ln>
+        </p:spPr>
+        <p:style>
+          <a:lnRef idx="1">
+            <a:schemeClr val="accent1"/>
+          </a:lnRef>
+          <a:fillRef idx="0">
+            <a:schemeClr val="accent1"/>
+          </a:fillRef>
+          <a:effectRef idx="0">
+            <a:schemeClr val="accent1"/>
+          </a:effectRef>
+          <a:fontRef idx="minor">
+            <a:schemeClr val="tx1"/>
+          </a:fontRef>
+        </p:style>
+      </p:cxnSp>
     </p:spTree>
     <p:extLst>
       <p:ext uri="{BB962C8B-B14F-4D97-AF65-F5344CB8AC3E}">
         <p14:creationId xmlns:p14="http://schemas.microsoft.com/office/powerpoint/2010/main" val="667087951"/>
+      </p:ext>
+    </p:extLst>
+  </p:cSld>
+  <p:clrMapOvr>
+    <a:masterClrMapping/>
+  </p:clrMapOvr>
+</p:sld>
+</file>
+
+<file path=ppt/slides/slide2.xml><?xml version="1.0" encoding="utf-8"?>
+<p:sld xmlns:a="http://schemas.openxmlformats.org/drawingml/2006/main" xmlns:r="http://schemas.openxmlformats.org/officeDocument/2006/relationships" xmlns:p="http://schemas.openxmlformats.org/presentationml/2006/main">
+  <p:cSld>
+    <p:bg>
+      <p:bgPr>
+        <a:solidFill>
+          <a:schemeClr val="tx1"/>
+        </a:solidFill>
+        <a:effectLst/>
+      </p:bgPr>
+    </p:bg>
+    <p:spTree>
+      <p:nvGrpSpPr>
+        <p:cNvPr id="1" name=""/>
+        <p:cNvGrpSpPr/>
+        <p:nvPr/>
+      </p:nvGrpSpPr>
+      <p:grpSpPr>
+        <a:xfrm>
+          <a:off x="0" y="0"/>
+          <a:ext cx="0" cy="0"/>
+          <a:chOff x="0" y="0"/>
+          <a:chExt cx="0" cy="0"/>
+        </a:xfrm>
+      </p:grpSpPr>
+      <p:graphicFrame>
+        <p:nvGraphicFramePr>
+          <p:cNvPr id="4" name="Table 4">
+            <a:extLst>
+              <a:ext uri="{FF2B5EF4-FFF2-40B4-BE49-F238E27FC236}">
+                <a16:creationId xmlns:a16="http://schemas.microsoft.com/office/drawing/2014/main" id="{7C972EB2-6BB9-4FEE-99F9-26BE45B1BCCD}"/>
+              </a:ext>
+            </a:extLst>
+          </p:cNvPr>
+          <p:cNvGraphicFramePr>
+            <a:graphicFrameLocks noGrp="1"/>
+          </p:cNvGraphicFramePr>
+          <p:nvPr>
+            <p:extLst>
+              <p:ext uri="{D42A27DB-BD31-4B8C-83A1-F6EECF244321}">
+                <p14:modId xmlns:p14="http://schemas.microsoft.com/office/powerpoint/2010/main" val="3832949512"/>
+              </p:ext>
+            </p:extLst>
+          </p:nvPr>
+        </p:nvGraphicFramePr>
+        <p:xfrm>
+          <a:off x="4057005" y="3701270"/>
+          <a:ext cx="14858892" cy="3840480"/>
+        </p:xfrm>
+        <a:graphic>
+          <a:graphicData uri="http://schemas.openxmlformats.org/drawingml/2006/table">
+            <a:tbl>
+              <a:tblPr firstRow="1" bandRow="1">
+                <a:tableStyleId>{5C22544A-7EE6-4342-B048-85BDC9FD1C3A}</a:tableStyleId>
+              </a:tblPr>
+              <a:tblGrid>
+                <a:gridCol w="2471305">
+                  <a:extLst>
+                    <a:ext uri="{9D8B030D-6E8A-4147-A177-3AD203B41FA5}">
+                      <a16:colId xmlns:a16="http://schemas.microsoft.com/office/drawing/2014/main" val="271836440"/>
+                    </a:ext>
+                  </a:extLst>
+                </a:gridCol>
+                <a:gridCol w="2294087">
+                  <a:extLst>
+                    <a:ext uri="{9D8B030D-6E8A-4147-A177-3AD203B41FA5}">
+                      <a16:colId xmlns:a16="http://schemas.microsoft.com/office/drawing/2014/main" val="1589450865"/>
+                    </a:ext>
+                  </a:extLst>
+                </a:gridCol>
+                <a:gridCol w="208280">
+                  <a:extLst>
+                    <a:ext uri="{9D8B030D-6E8A-4147-A177-3AD203B41FA5}">
+                      <a16:colId xmlns:a16="http://schemas.microsoft.com/office/drawing/2014/main" val="815685534"/>
+                    </a:ext>
+                  </a:extLst>
+                </a:gridCol>
+                <a:gridCol w="2471305">
+                  <a:extLst>
+                    <a:ext uri="{9D8B030D-6E8A-4147-A177-3AD203B41FA5}">
+                      <a16:colId xmlns:a16="http://schemas.microsoft.com/office/drawing/2014/main" val="869318592"/>
+                    </a:ext>
+                  </a:extLst>
+                </a:gridCol>
+                <a:gridCol w="2471305">
+                  <a:extLst>
+                    <a:ext uri="{9D8B030D-6E8A-4147-A177-3AD203B41FA5}">
+                      <a16:colId xmlns:a16="http://schemas.microsoft.com/office/drawing/2014/main" val="3109459533"/>
+                    </a:ext>
+                  </a:extLst>
+                </a:gridCol>
+                <a:gridCol w="2471305">
+                  <a:extLst>
+                    <a:ext uri="{9D8B030D-6E8A-4147-A177-3AD203B41FA5}">
+                      <a16:colId xmlns:a16="http://schemas.microsoft.com/office/drawing/2014/main" val="975127600"/>
+                    </a:ext>
+                  </a:extLst>
+                </a:gridCol>
+                <a:gridCol w="2471305">
+                  <a:extLst>
+                    <a:ext uri="{9D8B030D-6E8A-4147-A177-3AD203B41FA5}">
+                      <a16:colId xmlns:a16="http://schemas.microsoft.com/office/drawing/2014/main" val="398302735"/>
+                    </a:ext>
+                  </a:extLst>
+                </a:gridCol>
+              </a:tblGrid>
+              <a:tr h="370840">
+                <a:tc>
+                  <a:txBody>
+                    <a:bodyPr/>
+                    <a:lstStyle/>
+                    <a:p>
+                      <a:pPr algn="ctr"/>
+                      <a:endParaRPr lang="en-GB" dirty="0">
+                        <a:latin typeface="Consolas" panose="020B0609020204030204" pitchFamily="49" charset="0"/>
+                      </a:endParaRPr>
+                    </a:p>
+                  </a:txBody>
+                  <a:tcPr>
+                    <a:lnL w="12700" cap="flat" cmpd="sng" algn="ctr">
+                      <a:solidFill>
+                        <a:schemeClr val="tx1"/>
+                      </a:solidFill>
+                      <a:prstDash val="solid"/>
+                      <a:round/>
+                      <a:headEnd type="none" w="med" len="med"/>
+                      <a:tailEnd type="none" w="med" len="med"/>
+                    </a:lnL>
+                    <a:lnR w="12700" cap="flat" cmpd="sng" algn="ctr">
+                      <a:solidFill>
+                        <a:schemeClr val="bg1"/>
+                      </a:solidFill>
+                      <a:prstDash val="solid"/>
+                      <a:round/>
+                      <a:headEnd type="none" w="med" len="med"/>
+                      <a:tailEnd type="none" w="med" len="med"/>
+                    </a:lnR>
+                    <a:lnT w="12700" cap="flat" cmpd="sng" algn="ctr">
+                      <a:solidFill>
+                        <a:schemeClr val="tx1"/>
+                      </a:solidFill>
+                      <a:prstDash val="solid"/>
+                      <a:round/>
+                      <a:headEnd type="none" w="med" len="med"/>
+                      <a:tailEnd type="none" w="med" len="med"/>
+                    </a:lnT>
+                    <a:lnB w="12700" cap="flat" cmpd="sng" algn="ctr">
+                      <a:solidFill>
+                        <a:schemeClr val="bg1"/>
+                      </a:solidFill>
+                      <a:prstDash val="solid"/>
+                      <a:round/>
+                      <a:headEnd type="none" w="med" len="med"/>
+                      <a:tailEnd type="none" w="med" len="med"/>
+                    </a:lnB>
+                    <a:noFill/>
+                  </a:tcPr>
+                </a:tc>
+                <a:tc>
+                  <a:txBody>
+                    <a:bodyPr/>
+                    <a:lstStyle/>
+                    <a:p>
+                      <a:pPr algn="ctr"/>
+                      <a:r>
+                        <a:rPr lang="en-US" dirty="0">
+                          <a:latin typeface="Consolas" panose="020B0609020204030204" pitchFamily="49" charset="0"/>
+                        </a:rPr>
+                        <a:t>1.csv</a:t>
+                      </a:r>
+                      <a:endParaRPr lang="en-GB" dirty="0">
+                        <a:latin typeface="Consolas" panose="020B0609020204030204" pitchFamily="49" charset="0"/>
+                      </a:endParaRPr>
+                    </a:p>
+                  </a:txBody>
+                  <a:tcPr>
+                    <a:lnL w="12700" cap="flat" cmpd="sng" algn="ctr">
+                      <a:solidFill>
+                        <a:schemeClr val="bg1"/>
+                      </a:solidFill>
+                      <a:prstDash val="solid"/>
+                      <a:round/>
+                      <a:headEnd type="none" w="med" len="med"/>
+                      <a:tailEnd type="none" w="med" len="med"/>
+                    </a:lnL>
+                    <a:lnR w="12700" cap="flat" cmpd="sng" algn="ctr">
+                      <a:solidFill>
+                        <a:schemeClr val="bg1"/>
+                      </a:solidFill>
+                      <a:prstDash val="solid"/>
+                      <a:round/>
+                      <a:headEnd type="none" w="med" len="med"/>
+                      <a:tailEnd type="none" w="med" len="med"/>
+                    </a:lnR>
+                    <a:lnT w="12700" cap="flat" cmpd="sng" algn="ctr">
+                      <a:solidFill>
+                        <a:schemeClr val="tx1"/>
+                      </a:solidFill>
+                      <a:prstDash val="solid"/>
+                      <a:round/>
+                      <a:headEnd type="none" w="med" len="med"/>
+                      <a:tailEnd type="none" w="med" len="med"/>
+                    </a:lnT>
+                    <a:lnB w="12700" cap="flat" cmpd="sng" algn="ctr">
+                      <a:solidFill>
+                        <a:schemeClr val="bg1"/>
+                      </a:solidFill>
+                      <a:prstDash val="solid"/>
+                      <a:round/>
+                      <a:headEnd type="none" w="med" len="med"/>
+                      <a:tailEnd type="none" w="med" len="med"/>
+                    </a:lnB>
+                    <a:noFill/>
+                  </a:tcPr>
+                </a:tc>
+                <a:tc>
+                  <a:txBody>
+                    <a:bodyPr/>
+                    <a:lstStyle/>
+                    <a:p>
+                      <a:pPr algn="ctr"/>
+                      <a:endParaRPr lang="en-GB" dirty="0">
+                        <a:latin typeface="Consolas" panose="020B0609020204030204" pitchFamily="49" charset="0"/>
+                      </a:endParaRPr>
+                    </a:p>
+                  </a:txBody>
+                  <a:tcPr>
+                    <a:lnL w="12700" cap="flat" cmpd="sng" algn="ctr">
+                      <a:solidFill>
+                        <a:schemeClr val="bg1"/>
+                      </a:solidFill>
+                      <a:prstDash val="solid"/>
+                      <a:round/>
+                      <a:headEnd type="none" w="med" len="med"/>
+                      <a:tailEnd type="none" w="med" len="med"/>
+                    </a:lnL>
+                    <a:lnR w="12700" cap="flat" cmpd="sng" algn="ctr">
+                      <a:solidFill>
+                        <a:schemeClr val="tx1"/>
+                      </a:solidFill>
+                      <a:prstDash val="solid"/>
+                      <a:round/>
+                      <a:headEnd type="none" w="med" len="med"/>
+                      <a:tailEnd type="none" w="med" len="med"/>
+                    </a:lnR>
+                    <a:lnT w="12700" cap="flat" cmpd="sng" algn="ctr">
+                      <a:solidFill>
+                        <a:schemeClr val="tx1"/>
+                      </a:solidFill>
+                      <a:prstDash val="solid"/>
+                      <a:round/>
+                      <a:headEnd type="none" w="med" len="med"/>
+                      <a:tailEnd type="none" w="med" len="med"/>
+                    </a:lnT>
+                    <a:lnB w="12700" cap="flat" cmpd="sng" algn="ctr">
+                      <a:solidFill>
+                        <a:schemeClr val="bg1"/>
+                      </a:solidFill>
+                      <a:prstDash val="solid"/>
+                      <a:round/>
+                      <a:headEnd type="none" w="med" len="med"/>
+                      <a:tailEnd type="none" w="med" len="med"/>
+                    </a:lnB>
+                    <a:noFill/>
+                  </a:tcPr>
+                </a:tc>
+                <a:tc>
+                  <a:txBody>
+                    <a:bodyPr/>
+                    <a:lstStyle/>
+                    <a:p>
+                      <a:pPr algn="ctr"/>
+                      <a:r>
+                        <a:rPr lang="en-US" dirty="0">
+                          <a:latin typeface="Consolas" panose="020B0609020204030204" pitchFamily="49" charset="0"/>
+                        </a:rPr>
+                        <a:t>2.csv</a:t>
+                      </a:r>
+                      <a:endParaRPr lang="en-GB" dirty="0">
+                        <a:latin typeface="Consolas" panose="020B0609020204030204" pitchFamily="49" charset="0"/>
+                      </a:endParaRPr>
+                    </a:p>
+                  </a:txBody>
+                  <a:tcPr>
+                    <a:lnL w="12700" cap="flat" cmpd="sng" algn="ctr">
+                      <a:solidFill>
+                        <a:schemeClr val="tx1"/>
+                      </a:solidFill>
+                      <a:prstDash val="solid"/>
+                      <a:round/>
+                      <a:headEnd type="none" w="med" len="med"/>
+                      <a:tailEnd type="none" w="med" len="med"/>
+                    </a:lnL>
+                    <a:lnR w="12700" cap="flat" cmpd="sng" algn="ctr">
+                      <a:solidFill>
+                        <a:schemeClr val="bg1"/>
+                      </a:solidFill>
+                      <a:prstDash val="solid"/>
+                      <a:round/>
+                      <a:headEnd type="none" w="med" len="med"/>
+                      <a:tailEnd type="none" w="med" len="med"/>
+                    </a:lnR>
+                    <a:lnT w="12700" cap="flat" cmpd="sng" algn="ctr">
+                      <a:solidFill>
+                        <a:schemeClr val="tx1"/>
+                      </a:solidFill>
+                      <a:prstDash val="solid"/>
+                      <a:round/>
+                      <a:headEnd type="none" w="med" len="med"/>
+                      <a:tailEnd type="none" w="med" len="med"/>
+                    </a:lnT>
+                    <a:lnB w="12700" cap="flat" cmpd="sng" algn="ctr">
+                      <a:solidFill>
+                        <a:schemeClr val="bg1"/>
+                      </a:solidFill>
+                      <a:prstDash val="solid"/>
+                      <a:round/>
+                      <a:headEnd type="none" w="med" len="med"/>
+                      <a:tailEnd type="none" w="med" len="med"/>
+                    </a:lnB>
+                    <a:noFill/>
+                  </a:tcPr>
+                </a:tc>
+                <a:tc>
+                  <a:txBody>
+                    <a:bodyPr/>
+                    <a:lstStyle/>
+                    <a:p>
+                      <a:pPr algn="ctr"/>
+                      <a:r>
+                        <a:rPr lang="en-US" dirty="0">
+                          <a:latin typeface="Consolas" panose="020B0609020204030204" pitchFamily="49" charset="0"/>
+                        </a:rPr>
+                        <a:t>3.csv</a:t>
+                      </a:r>
+                      <a:endParaRPr lang="en-GB" dirty="0">
+                        <a:latin typeface="Consolas" panose="020B0609020204030204" pitchFamily="49" charset="0"/>
+                      </a:endParaRPr>
+                    </a:p>
+                  </a:txBody>
+                  <a:tcPr>
+                    <a:lnL w="12700" cap="flat" cmpd="sng" algn="ctr">
+                      <a:solidFill>
+                        <a:schemeClr val="bg1"/>
+                      </a:solidFill>
+                      <a:prstDash val="solid"/>
+                      <a:round/>
+                      <a:headEnd type="none" w="med" len="med"/>
+                      <a:tailEnd type="none" w="med" len="med"/>
+                    </a:lnL>
+                    <a:lnR w="12700" cap="flat" cmpd="sng" algn="ctr">
+                      <a:solidFill>
+                        <a:schemeClr val="bg1"/>
+                      </a:solidFill>
+                      <a:prstDash val="solid"/>
+                      <a:round/>
+                      <a:headEnd type="none" w="med" len="med"/>
+                      <a:tailEnd type="none" w="med" len="med"/>
+                    </a:lnR>
+                    <a:lnT w="12700" cap="flat" cmpd="sng" algn="ctr">
+                      <a:solidFill>
+                        <a:schemeClr val="tx1"/>
+                      </a:solidFill>
+                      <a:prstDash val="solid"/>
+                      <a:round/>
+                      <a:headEnd type="none" w="med" len="med"/>
+                      <a:tailEnd type="none" w="med" len="med"/>
+                    </a:lnT>
+                    <a:lnB w="12700" cap="flat" cmpd="sng" algn="ctr">
+                      <a:solidFill>
+                        <a:schemeClr val="bg1"/>
+                      </a:solidFill>
+                      <a:prstDash val="solid"/>
+                      <a:round/>
+                      <a:headEnd type="none" w="med" len="med"/>
+                      <a:tailEnd type="none" w="med" len="med"/>
+                    </a:lnB>
+                    <a:noFill/>
+                  </a:tcPr>
+                </a:tc>
+                <a:tc>
+                  <a:txBody>
+                    <a:bodyPr/>
+                    <a:lstStyle/>
+                    <a:p>
+                      <a:pPr algn="ctr"/>
+                      <a:r>
+                        <a:rPr lang="en-US" dirty="0">
+                          <a:latin typeface="Consolas" panose="020B0609020204030204" pitchFamily="49" charset="0"/>
+                        </a:rPr>
+                        <a:t>4.csv</a:t>
+                      </a:r>
+                      <a:endParaRPr lang="en-GB" dirty="0">
+                        <a:latin typeface="Consolas" panose="020B0609020204030204" pitchFamily="49" charset="0"/>
+                      </a:endParaRPr>
+                    </a:p>
+                  </a:txBody>
+                  <a:tcPr>
+                    <a:lnL w="12700" cap="flat" cmpd="sng" algn="ctr">
+                      <a:solidFill>
+                        <a:schemeClr val="bg1"/>
+                      </a:solidFill>
+                      <a:prstDash val="solid"/>
+                      <a:round/>
+                      <a:headEnd type="none" w="med" len="med"/>
+                      <a:tailEnd type="none" w="med" len="med"/>
+                    </a:lnL>
+                    <a:lnR w="12700" cap="flat" cmpd="sng" algn="ctr">
+                      <a:solidFill>
+                        <a:schemeClr val="bg1"/>
+                      </a:solidFill>
+                      <a:prstDash val="solid"/>
+                      <a:round/>
+                      <a:headEnd type="none" w="med" len="med"/>
+                      <a:tailEnd type="none" w="med" len="med"/>
+                    </a:lnR>
+                    <a:lnT w="12700" cap="flat" cmpd="sng" algn="ctr">
+                      <a:solidFill>
+                        <a:schemeClr val="tx1"/>
+                      </a:solidFill>
+                      <a:prstDash val="solid"/>
+                      <a:round/>
+                      <a:headEnd type="none" w="med" len="med"/>
+                      <a:tailEnd type="none" w="med" len="med"/>
+                    </a:lnT>
+                    <a:lnB w="12700" cap="flat" cmpd="sng" algn="ctr">
+                      <a:solidFill>
+                        <a:schemeClr val="bg1"/>
+                      </a:solidFill>
+                      <a:prstDash val="solid"/>
+                      <a:round/>
+                      <a:headEnd type="none" w="med" len="med"/>
+                      <a:tailEnd type="none" w="med" len="med"/>
+                    </a:lnB>
+                    <a:noFill/>
+                  </a:tcPr>
+                </a:tc>
+                <a:tc>
+                  <a:txBody>
+                    <a:bodyPr/>
+                    <a:lstStyle/>
+                    <a:p>
+                      <a:pPr algn="ctr"/>
+                      <a:r>
+                        <a:rPr lang="en-US" dirty="0">
+                          <a:latin typeface="Consolas" panose="020B0609020204030204" pitchFamily="49" charset="0"/>
+                        </a:rPr>
+                        <a:t>5.csv</a:t>
+                      </a:r>
+                      <a:endParaRPr lang="en-GB" dirty="0">
+                        <a:latin typeface="Consolas" panose="020B0609020204030204" pitchFamily="49" charset="0"/>
+                      </a:endParaRPr>
+                    </a:p>
+                  </a:txBody>
+                  <a:tcPr>
+                    <a:lnL w="12700" cap="flat" cmpd="sng" algn="ctr">
+                      <a:solidFill>
+                        <a:schemeClr val="bg1"/>
+                      </a:solidFill>
+                      <a:prstDash val="solid"/>
+                      <a:round/>
+                      <a:headEnd type="none" w="med" len="med"/>
+                      <a:tailEnd type="none" w="med" len="med"/>
+                    </a:lnL>
+                    <a:lnR w="12700" cap="flat" cmpd="sng" algn="ctr">
+                      <a:solidFill>
+                        <a:schemeClr val="tx1"/>
+                      </a:solidFill>
+                      <a:prstDash val="solid"/>
+                      <a:round/>
+                      <a:headEnd type="none" w="med" len="med"/>
+                      <a:tailEnd type="none" w="med" len="med"/>
+                    </a:lnR>
+                    <a:lnT w="12700" cap="flat" cmpd="sng" algn="ctr">
+                      <a:solidFill>
+                        <a:schemeClr val="tx1"/>
+                      </a:solidFill>
+                      <a:prstDash val="solid"/>
+                      <a:round/>
+                      <a:headEnd type="none" w="med" len="med"/>
+                      <a:tailEnd type="none" w="med" len="med"/>
+                    </a:lnT>
+                    <a:lnB w="12700" cap="flat" cmpd="sng" algn="ctr">
+                      <a:solidFill>
+                        <a:schemeClr val="bg1"/>
+                      </a:solidFill>
+                      <a:prstDash val="solid"/>
+                      <a:round/>
+                      <a:headEnd type="none" w="med" len="med"/>
+                      <a:tailEnd type="none" w="med" len="med"/>
+                    </a:lnB>
+                    <a:noFill/>
+                  </a:tcPr>
+                </a:tc>
+                <a:extLst>
+                  <a:ext uri="{0D108BD9-81ED-4DB2-BD59-A6C34878D82A}">
+                    <a16:rowId xmlns:a16="http://schemas.microsoft.com/office/drawing/2014/main" val="4064556495"/>
+                  </a:ext>
+                </a:extLst>
+              </a:tr>
+              <a:tr h="370840">
+                <a:tc>
+                  <a:txBody>
+                    <a:bodyPr/>
+                    <a:lstStyle/>
+                    <a:p>
+                      <a:pPr algn="ctr"/>
+                      <a:r>
+                        <a:rPr lang="en-US" dirty="0">
+                          <a:solidFill>
+                            <a:schemeClr val="bg1"/>
+                          </a:solidFill>
+                          <a:latin typeface="Consolas" panose="020B0609020204030204" pitchFamily="49" charset="0"/>
+                        </a:rPr>
+                        <a:t>To 1</a:t>
+                      </a:r>
+                      <a:endParaRPr lang="en-GB" dirty="0">
+                        <a:solidFill>
+                          <a:schemeClr val="bg1"/>
+                        </a:solidFill>
+                        <a:latin typeface="Consolas" panose="020B0609020204030204" pitchFamily="49" charset="0"/>
+                      </a:endParaRPr>
+                    </a:p>
+                  </a:txBody>
+                  <a:tcPr>
+                    <a:lnL w="12700" cap="flat" cmpd="sng" algn="ctr">
+                      <a:solidFill>
+                        <a:schemeClr val="tx1"/>
+                      </a:solidFill>
+                      <a:prstDash val="solid"/>
+                      <a:round/>
+                      <a:headEnd type="none" w="med" len="med"/>
+                      <a:tailEnd type="none" w="med" len="med"/>
+                    </a:lnL>
+                    <a:lnR w="12700" cap="flat" cmpd="sng" algn="ctr">
+                      <a:solidFill>
+                        <a:schemeClr val="bg1"/>
+                      </a:solidFill>
+                      <a:prstDash val="solid"/>
+                      <a:round/>
+                      <a:headEnd type="none" w="med" len="med"/>
+                      <a:tailEnd type="none" w="med" len="med"/>
+                    </a:lnR>
+                    <a:lnT w="12700" cap="flat" cmpd="sng" algn="ctr">
+                      <a:solidFill>
+                        <a:schemeClr val="bg1"/>
+                      </a:solidFill>
+                      <a:prstDash val="solid"/>
+                      <a:round/>
+                      <a:headEnd type="none" w="med" len="med"/>
+                      <a:tailEnd type="none" w="med" len="med"/>
+                    </a:lnT>
+                    <a:lnB w="12700" cap="flat" cmpd="sng" algn="ctr">
+                      <a:solidFill>
+                        <a:schemeClr val="bg1"/>
+                      </a:solidFill>
+                      <a:prstDash val="solid"/>
+                      <a:round/>
+                      <a:headEnd type="none" w="med" len="med"/>
+                      <a:tailEnd type="none" w="med" len="med"/>
+                    </a:lnB>
+                    <a:lnTlToBr w="12700" cmpd="sng">
+                      <a:noFill/>
+                      <a:prstDash val="solid"/>
+                    </a:lnTlToBr>
+                    <a:lnBlToTr w="12700" cmpd="sng">
+                      <a:noFill/>
+                      <a:prstDash val="solid"/>
+                    </a:lnBlToTr>
+                    <a:noFill/>
+                  </a:tcPr>
+                </a:tc>
+                <a:tc>
+                  <a:txBody>
+                    <a:bodyPr/>
+                    <a:lstStyle/>
+                    <a:p>
+                      <a:pPr algn="ctr"/>
+                      <a:r>
+                        <a:rPr lang="en-US" dirty="0">
+                          <a:solidFill>
+                            <a:schemeClr val="accent3">
+                              <a:lumMod val="75000"/>
+                            </a:schemeClr>
+                          </a:solidFill>
+                          <a:latin typeface="Consolas" panose="020B0609020204030204" pitchFamily="49" charset="0"/>
+                        </a:rPr>
+                        <a:t>invalid</a:t>
+                      </a:r>
+                      <a:endParaRPr lang="en-GB" dirty="0">
+                        <a:solidFill>
+                          <a:schemeClr val="accent3">
+                            <a:lumMod val="75000"/>
+                          </a:schemeClr>
+                        </a:solidFill>
+                        <a:latin typeface="Consolas" panose="020B0609020204030204" pitchFamily="49" charset="0"/>
+                      </a:endParaRPr>
+                    </a:p>
+                  </a:txBody>
+                  <a:tcPr>
+                    <a:lnL w="12700" cap="flat" cmpd="sng" algn="ctr">
+                      <a:solidFill>
+                        <a:schemeClr val="bg1"/>
+                      </a:solidFill>
+                      <a:prstDash val="solid"/>
+                      <a:round/>
+                      <a:headEnd type="none" w="med" len="med"/>
+                      <a:tailEnd type="none" w="med" len="med"/>
+                    </a:lnL>
+                    <a:lnR w="12700" cap="flat" cmpd="sng" algn="ctr">
+                      <a:solidFill>
+                        <a:schemeClr val="bg1"/>
+                      </a:solidFill>
+                      <a:prstDash val="solid"/>
+                      <a:round/>
+                      <a:headEnd type="none" w="med" len="med"/>
+                      <a:tailEnd type="none" w="med" len="med"/>
+                    </a:lnR>
+                    <a:lnT w="12700" cap="flat" cmpd="sng" algn="ctr">
+                      <a:solidFill>
+                        <a:schemeClr val="bg1"/>
+                      </a:solidFill>
+                      <a:prstDash val="solid"/>
+                      <a:round/>
+                      <a:headEnd type="none" w="med" len="med"/>
+                      <a:tailEnd type="none" w="med" len="med"/>
+                    </a:lnT>
+                    <a:lnB w="12700" cap="flat" cmpd="sng" algn="ctr">
+                      <a:solidFill>
+                        <a:schemeClr val="bg1"/>
+                      </a:solidFill>
+                      <a:prstDash val="solid"/>
+                      <a:round/>
+                      <a:headEnd type="none" w="med" len="med"/>
+                      <a:tailEnd type="none" w="med" len="med"/>
+                    </a:lnB>
+                    <a:solidFill>
+                      <a:schemeClr val="accent3">
+                        <a:lumMod val="50000"/>
+                      </a:schemeClr>
+                    </a:solidFill>
+                  </a:tcPr>
+                </a:tc>
+                <a:tc gridSpan="2">
+                  <a:txBody>
+                    <a:bodyPr/>
+                    <a:lstStyle/>
+                    <a:p>
+                      <a:pPr algn="ctr"/>
+                      <a:r>
+                        <a:rPr lang="en-US" dirty="0">
+                          <a:solidFill>
+                            <a:schemeClr val="accent2">
+                              <a:lumMod val="40000"/>
+                              <a:lumOff val="60000"/>
+                            </a:schemeClr>
+                          </a:solidFill>
+                          <a:latin typeface="Consolas" panose="020B0609020204030204" pitchFamily="49" charset="0"/>
+                        </a:rPr>
+                        <a:t>goto 1.2</a:t>
+                      </a:r>
+                      <a:endParaRPr lang="en-GB" dirty="0">
+                        <a:solidFill>
+                          <a:schemeClr val="accent2">
+                            <a:lumMod val="40000"/>
+                            <a:lumOff val="60000"/>
+                          </a:schemeClr>
+                        </a:solidFill>
+                        <a:latin typeface="Consolas" panose="020B0609020204030204" pitchFamily="49" charset="0"/>
+                      </a:endParaRPr>
+                    </a:p>
+                  </a:txBody>
+                  <a:tcPr>
+                    <a:lnL w="12700" cap="flat" cmpd="sng" algn="ctr">
+                      <a:solidFill>
+                        <a:schemeClr val="bg1"/>
+                      </a:solidFill>
+                      <a:prstDash val="solid"/>
+                      <a:round/>
+                      <a:headEnd type="none" w="med" len="med"/>
+                      <a:tailEnd type="none" w="med" len="med"/>
+                    </a:lnL>
+                    <a:lnR w="12700" cap="flat" cmpd="sng" algn="ctr">
+                      <a:solidFill>
+                        <a:schemeClr val="bg1"/>
+                      </a:solidFill>
+                      <a:prstDash val="solid"/>
+                      <a:round/>
+                      <a:headEnd type="none" w="med" len="med"/>
+                      <a:tailEnd type="none" w="med" len="med"/>
+                    </a:lnR>
+                    <a:lnT w="12700" cap="flat" cmpd="sng" algn="ctr">
+                      <a:solidFill>
+                        <a:schemeClr val="bg1"/>
+                      </a:solidFill>
+                      <a:prstDash val="solid"/>
+                      <a:round/>
+                      <a:headEnd type="none" w="med" len="med"/>
+                      <a:tailEnd type="none" w="med" len="med"/>
+                    </a:lnT>
+                    <a:lnB w="12700" cap="flat" cmpd="sng" algn="ctr">
+                      <a:solidFill>
+                        <a:schemeClr val="bg1"/>
+                      </a:solidFill>
+                      <a:prstDash val="solid"/>
+                      <a:round/>
+                      <a:headEnd type="none" w="med" len="med"/>
+                      <a:tailEnd type="none" w="med" len="med"/>
+                    </a:lnB>
+                    <a:solidFill>
+                      <a:schemeClr val="accent2">
+                        <a:lumMod val="50000"/>
+                      </a:schemeClr>
+                    </a:solidFill>
+                  </a:tcPr>
+                </a:tc>
+                <a:tc hMerge="1">
+                  <a:txBody>
+                    <a:bodyPr/>
+                    <a:lstStyle/>
+                    <a:p>
+                      <a:endParaRPr lang="en-GB" dirty="0"/>
+                    </a:p>
+                  </a:txBody>
+                  <a:tcPr>
+                    <a:lnL w="12700" cap="flat" cmpd="sng" algn="ctr">
+                      <a:solidFill>
+                        <a:schemeClr val="tx1"/>
+                      </a:solidFill>
+                      <a:prstDash val="solid"/>
+                      <a:round/>
+                      <a:headEnd type="none" w="med" len="med"/>
+                      <a:tailEnd type="none" w="med" len="med"/>
+                    </a:lnL>
+                    <a:lnR w="12700" cap="flat" cmpd="sng" algn="ctr">
+                      <a:solidFill>
+                        <a:schemeClr val="bg1"/>
+                      </a:solidFill>
+                      <a:prstDash val="solid"/>
+                      <a:round/>
+                      <a:headEnd type="none" w="med" len="med"/>
+                      <a:tailEnd type="none" w="med" len="med"/>
+                    </a:lnR>
+                    <a:lnT w="12700" cap="flat" cmpd="sng" algn="ctr">
+                      <a:solidFill>
+                        <a:schemeClr val="bg1"/>
+                      </a:solidFill>
+                      <a:prstDash val="solid"/>
+                      <a:round/>
+                      <a:headEnd type="none" w="med" len="med"/>
+                      <a:tailEnd type="none" w="med" len="med"/>
+                    </a:lnT>
+                    <a:lnB w="12700" cap="flat" cmpd="sng" algn="ctr">
+                      <a:solidFill>
+                        <a:schemeClr val="bg1"/>
+                      </a:solidFill>
+                      <a:prstDash val="solid"/>
+                      <a:round/>
+                      <a:headEnd type="none" w="med" len="med"/>
+                      <a:tailEnd type="none" w="med" len="med"/>
+                    </a:lnB>
+                    <a:solidFill>
+                      <a:schemeClr val="accent2">
+                        <a:lumMod val="50000"/>
+                      </a:schemeClr>
+                    </a:solidFill>
+                  </a:tcPr>
+                </a:tc>
+                <a:tc>
+                  <a:txBody>
+                    <a:bodyPr/>
+                    <a:lstStyle/>
+                    <a:p>
+                      <a:pPr marL="0" marR="0" lvl="0" indent="0" algn="ctr" defTabSz="1828800" rtl="0" eaLnBrk="1" fontAlgn="auto" latinLnBrk="0" hangingPunct="1">
+                        <a:lnSpc>
+                          <a:spcPct val="100000"/>
+                        </a:lnSpc>
+                        <a:spcBef>
+                          <a:spcPts val="0"/>
+                        </a:spcBef>
+                        <a:spcAft>
+                          <a:spcPts val="0"/>
+                        </a:spcAft>
+                        <a:buClrTx/>
+                        <a:buSzTx/>
+                        <a:buFontTx/>
+                        <a:buNone/>
+                        <a:tabLst/>
+                        <a:defRPr/>
+                      </a:pPr>
+                      <a:r>
+                        <a:rPr lang="en-US" dirty="0">
+                          <a:solidFill>
+                            <a:schemeClr val="accent2">
+                              <a:lumMod val="40000"/>
+                              <a:lumOff val="60000"/>
+                            </a:schemeClr>
+                          </a:solidFill>
+                          <a:latin typeface="Consolas" panose="020B0609020204030204" pitchFamily="49" charset="0"/>
+                        </a:rPr>
+                        <a:t>goto 1.3</a:t>
+                      </a:r>
+                      <a:endParaRPr lang="en-GB" dirty="0">
+                        <a:solidFill>
+                          <a:schemeClr val="accent2">
+                            <a:lumMod val="40000"/>
+                            <a:lumOff val="60000"/>
+                          </a:schemeClr>
+                        </a:solidFill>
+                        <a:latin typeface="Consolas" panose="020B0609020204030204" pitchFamily="49" charset="0"/>
+                      </a:endParaRPr>
+                    </a:p>
+                  </a:txBody>
+                  <a:tcPr>
+                    <a:lnL w="12700" cap="flat" cmpd="sng" algn="ctr">
+                      <a:solidFill>
+                        <a:schemeClr val="bg1"/>
+                      </a:solidFill>
+                      <a:prstDash val="solid"/>
+                      <a:round/>
+                      <a:headEnd type="none" w="med" len="med"/>
+                      <a:tailEnd type="none" w="med" len="med"/>
+                    </a:lnL>
+                    <a:lnR w="12700" cap="flat" cmpd="sng" algn="ctr">
+                      <a:solidFill>
+                        <a:schemeClr val="bg1"/>
+                      </a:solidFill>
+                      <a:prstDash val="solid"/>
+                      <a:round/>
+                      <a:headEnd type="none" w="med" len="med"/>
+                      <a:tailEnd type="none" w="med" len="med"/>
+                    </a:lnR>
+                    <a:lnT w="12700" cap="flat" cmpd="sng" algn="ctr">
+                      <a:solidFill>
+                        <a:schemeClr val="bg1"/>
+                      </a:solidFill>
+                      <a:prstDash val="solid"/>
+                      <a:round/>
+                      <a:headEnd type="none" w="med" len="med"/>
+                      <a:tailEnd type="none" w="med" len="med"/>
+                    </a:lnT>
+                    <a:lnB w="12700" cap="flat" cmpd="sng" algn="ctr">
+                      <a:solidFill>
+                        <a:schemeClr val="bg1"/>
+                      </a:solidFill>
+                      <a:prstDash val="solid"/>
+                      <a:round/>
+                      <a:headEnd type="none" w="med" len="med"/>
+                      <a:tailEnd type="none" w="med" len="med"/>
+                    </a:lnB>
+                    <a:solidFill>
+                      <a:schemeClr val="accent2">
+                        <a:lumMod val="50000"/>
+                      </a:schemeClr>
+                    </a:solidFill>
+                  </a:tcPr>
+                </a:tc>
+                <a:tc>
+                  <a:txBody>
+                    <a:bodyPr/>
+                    <a:lstStyle/>
+                    <a:p>
+                      <a:pPr marL="0" marR="0" lvl="0" indent="0" algn="ctr" defTabSz="1828800" rtl="0" eaLnBrk="1" fontAlgn="auto" latinLnBrk="0" hangingPunct="1">
+                        <a:lnSpc>
+                          <a:spcPct val="100000"/>
+                        </a:lnSpc>
+                        <a:spcBef>
+                          <a:spcPts val="0"/>
+                        </a:spcBef>
+                        <a:spcAft>
+                          <a:spcPts val="0"/>
+                        </a:spcAft>
+                        <a:buClrTx/>
+                        <a:buSzTx/>
+                        <a:buFontTx/>
+                        <a:buNone/>
+                        <a:tabLst/>
+                        <a:defRPr/>
+                      </a:pPr>
+                      <a:r>
+                        <a:rPr lang="en-US" dirty="0">
+                          <a:solidFill>
+                            <a:schemeClr val="accent2">
+                              <a:lumMod val="40000"/>
+                              <a:lumOff val="60000"/>
+                            </a:schemeClr>
+                          </a:solidFill>
+                          <a:latin typeface="Consolas" panose="020B0609020204030204" pitchFamily="49" charset="0"/>
+                        </a:rPr>
+                        <a:t>goto 1.4</a:t>
+                      </a:r>
+                      <a:endParaRPr lang="en-GB" dirty="0">
+                        <a:solidFill>
+                          <a:schemeClr val="accent2">
+                            <a:lumMod val="40000"/>
+                            <a:lumOff val="60000"/>
+                          </a:schemeClr>
+                        </a:solidFill>
+                        <a:latin typeface="Consolas" panose="020B0609020204030204" pitchFamily="49" charset="0"/>
+                      </a:endParaRPr>
+                    </a:p>
+                  </a:txBody>
+                  <a:tcPr>
+                    <a:lnL w="12700" cap="flat" cmpd="sng" algn="ctr">
+                      <a:solidFill>
+                        <a:schemeClr val="bg1"/>
+                      </a:solidFill>
+                      <a:prstDash val="solid"/>
+                      <a:round/>
+                      <a:headEnd type="none" w="med" len="med"/>
+                      <a:tailEnd type="none" w="med" len="med"/>
+                    </a:lnL>
+                    <a:lnR w="12700" cap="flat" cmpd="sng" algn="ctr">
+                      <a:solidFill>
+                        <a:schemeClr val="bg1"/>
+                      </a:solidFill>
+                      <a:prstDash val="solid"/>
+                      <a:round/>
+                      <a:headEnd type="none" w="med" len="med"/>
+                      <a:tailEnd type="none" w="med" len="med"/>
+                    </a:lnR>
+                    <a:lnT w="12700" cap="flat" cmpd="sng" algn="ctr">
+                      <a:solidFill>
+                        <a:schemeClr val="bg1"/>
+                      </a:solidFill>
+                      <a:prstDash val="solid"/>
+                      <a:round/>
+                      <a:headEnd type="none" w="med" len="med"/>
+                      <a:tailEnd type="none" w="med" len="med"/>
+                    </a:lnT>
+                    <a:lnB w="12700" cap="flat" cmpd="sng" algn="ctr">
+                      <a:solidFill>
+                        <a:schemeClr val="bg1"/>
+                      </a:solidFill>
+                      <a:prstDash val="solid"/>
+                      <a:round/>
+                      <a:headEnd type="none" w="med" len="med"/>
+                      <a:tailEnd type="none" w="med" len="med"/>
+                    </a:lnB>
+                    <a:solidFill>
+                      <a:schemeClr val="accent2">
+                        <a:lumMod val="50000"/>
+                      </a:schemeClr>
+                    </a:solidFill>
+                  </a:tcPr>
+                </a:tc>
+                <a:tc>
+                  <a:txBody>
+                    <a:bodyPr/>
+                    <a:lstStyle/>
+                    <a:p>
+                      <a:pPr marL="0" marR="0" lvl="0" indent="0" algn="ctr" defTabSz="1828800" rtl="0" eaLnBrk="1" fontAlgn="auto" latinLnBrk="0" hangingPunct="1">
+                        <a:lnSpc>
+                          <a:spcPct val="100000"/>
+                        </a:lnSpc>
+                        <a:spcBef>
+                          <a:spcPts val="0"/>
+                        </a:spcBef>
+                        <a:spcAft>
+                          <a:spcPts val="0"/>
+                        </a:spcAft>
+                        <a:buClrTx/>
+                        <a:buSzTx/>
+                        <a:buFontTx/>
+                        <a:buNone/>
+                        <a:tabLst/>
+                        <a:defRPr/>
+                      </a:pPr>
+                      <a:r>
+                        <a:rPr lang="en-US" dirty="0">
+                          <a:solidFill>
+                            <a:schemeClr val="accent2">
+                              <a:lumMod val="40000"/>
+                              <a:lumOff val="60000"/>
+                            </a:schemeClr>
+                          </a:solidFill>
+                          <a:latin typeface="Consolas" panose="020B0609020204030204" pitchFamily="49" charset="0"/>
+                        </a:rPr>
+                        <a:t>goto 1.5</a:t>
+                      </a:r>
+                      <a:endParaRPr lang="en-GB" dirty="0">
+                        <a:solidFill>
+                          <a:schemeClr val="accent2">
+                            <a:lumMod val="40000"/>
+                            <a:lumOff val="60000"/>
+                          </a:schemeClr>
+                        </a:solidFill>
+                        <a:latin typeface="Consolas" panose="020B0609020204030204" pitchFamily="49" charset="0"/>
+                      </a:endParaRPr>
+                    </a:p>
+                  </a:txBody>
+                  <a:tcPr>
+                    <a:lnL w="12700" cap="flat" cmpd="sng" algn="ctr">
+                      <a:solidFill>
+                        <a:schemeClr val="bg1"/>
+                      </a:solidFill>
+                      <a:prstDash val="solid"/>
+                      <a:round/>
+                      <a:headEnd type="none" w="med" len="med"/>
+                      <a:tailEnd type="none" w="med" len="med"/>
+                    </a:lnL>
+                    <a:lnR w="12700" cap="flat" cmpd="sng" algn="ctr">
+                      <a:solidFill>
+                        <a:schemeClr val="tx1"/>
+                      </a:solidFill>
+                      <a:prstDash val="solid"/>
+                      <a:round/>
+                      <a:headEnd type="none" w="med" len="med"/>
+                      <a:tailEnd type="none" w="med" len="med"/>
+                    </a:lnR>
+                    <a:lnT w="12700" cap="flat" cmpd="sng" algn="ctr">
+                      <a:solidFill>
+                        <a:schemeClr val="bg1"/>
+                      </a:solidFill>
+                      <a:prstDash val="solid"/>
+                      <a:round/>
+                      <a:headEnd type="none" w="med" len="med"/>
+                      <a:tailEnd type="none" w="med" len="med"/>
+                    </a:lnT>
+                    <a:lnB w="12700" cap="flat" cmpd="sng" algn="ctr">
+                      <a:solidFill>
+                        <a:schemeClr val="bg1"/>
+                      </a:solidFill>
+                      <a:prstDash val="solid"/>
+                      <a:round/>
+                      <a:headEnd type="none" w="med" len="med"/>
+                      <a:tailEnd type="none" w="med" len="med"/>
+                    </a:lnB>
+                    <a:solidFill>
+                      <a:schemeClr val="accent2">
+                        <a:lumMod val="50000"/>
+                      </a:schemeClr>
+                    </a:solidFill>
+                  </a:tcPr>
+                </a:tc>
+                <a:extLst>
+                  <a:ext uri="{0D108BD9-81ED-4DB2-BD59-A6C34878D82A}">
+                    <a16:rowId xmlns:a16="http://schemas.microsoft.com/office/drawing/2014/main" val="3667771050"/>
+                  </a:ext>
+                </a:extLst>
+              </a:tr>
+              <a:tr h="370840">
+                <a:tc>
+                  <a:txBody>
+                    <a:bodyPr/>
+                    <a:lstStyle/>
+                    <a:p>
+                      <a:pPr algn="ctr"/>
+                      <a:r>
+                        <a:rPr lang="en-US" dirty="0">
+                          <a:solidFill>
+                            <a:schemeClr val="bg1"/>
+                          </a:solidFill>
+                          <a:latin typeface="Consolas" panose="020B0609020204030204" pitchFamily="49" charset="0"/>
+                        </a:rPr>
+                        <a:t>To 2</a:t>
+                      </a:r>
+                      <a:endParaRPr lang="en-GB" dirty="0">
+                        <a:solidFill>
+                          <a:schemeClr val="bg1"/>
+                        </a:solidFill>
+                        <a:latin typeface="Consolas" panose="020B0609020204030204" pitchFamily="49" charset="0"/>
+                      </a:endParaRPr>
+                    </a:p>
+                  </a:txBody>
+                  <a:tcPr>
+                    <a:lnL w="12700" cap="flat" cmpd="sng" algn="ctr">
+                      <a:solidFill>
+                        <a:schemeClr val="tx1"/>
+                      </a:solidFill>
+                      <a:prstDash val="solid"/>
+                      <a:round/>
+                      <a:headEnd type="none" w="med" len="med"/>
+                      <a:tailEnd type="none" w="med" len="med"/>
+                    </a:lnL>
+                    <a:lnR w="12700" cap="flat" cmpd="sng" algn="ctr">
+                      <a:solidFill>
+                        <a:schemeClr val="bg1"/>
+                      </a:solidFill>
+                      <a:prstDash val="solid"/>
+                      <a:round/>
+                      <a:headEnd type="none" w="med" len="med"/>
+                      <a:tailEnd type="none" w="med" len="med"/>
+                    </a:lnR>
+                    <a:lnT w="12700" cap="flat" cmpd="sng" algn="ctr">
+                      <a:solidFill>
+                        <a:schemeClr val="bg1"/>
+                      </a:solidFill>
+                      <a:prstDash val="solid"/>
+                      <a:round/>
+                      <a:headEnd type="none" w="med" len="med"/>
+                      <a:tailEnd type="none" w="med" len="med"/>
+                    </a:lnT>
+                    <a:lnB w="12700" cap="flat" cmpd="sng" algn="ctr">
+                      <a:solidFill>
+                        <a:schemeClr val="bg1"/>
+                      </a:solidFill>
+                      <a:prstDash val="solid"/>
+                      <a:round/>
+                      <a:headEnd type="none" w="med" len="med"/>
+                      <a:tailEnd type="none" w="med" len="med"/>
+                    </a:lnB>
+                    <a:lnTlToBr w="12700" cmpd="sng">
+                      <a:noFill/>
+                      <a:prstDash val="solid"/>
+                    </a:lnTlToBr>
+                    <a:lnBlToTr w="12700" cmpd="sng">
+                      <a:noFill/>
+                      <a:prstDash val="solid"/>
+                    </a:lnBlToTr>
+                    <a:noFill/>
+                  </a:tcPr>
+                </a:tc>
+                <a:tc>
+                  <a:txBody>
+                    <a:bodyPr/>
+                    <a:lstStyle/>
+                    <a:p>
+                      <a:pPr algn="ctr"/>
+                      <a:r>
+                        <a:rPr lang="en-US" dirty="0">
+                          <a:solidFill>
+                            <a:schemeClr val="accent6">
+                              <a:lumMod val="60000"/>
+                              <a:lumOff val="40000"/>
+                            </a:schemeClr>
+                          </a:solidFill>
+                          <a:latin typeface="Consolas" panose="020B0609020204030204" pitchFamily="49" charset="0"/>
+                        </a:rPr>
+                        <a:t>1.2</a:t>
+                      </a:r>
+                      <a:endParaRPr lang="en-GB" dirty="0">
+                        <a:solidFill>
+                          <a:schemeClr val="accent6">
+                            <a:lumMod val="60000"/>
+                            <a:lumOff val="40000"/>
+                          </a:schemeClr>
+                        </a:solidFill>
+                        <a:latin typeface="Consolas" panose="020B0609020204030204" pitchFamily="49" charset="0"/>
+                      </a:endParaRPr>
+                    </a:p>
+                  </a:txBody>
+                  <a:tcPr>
+                    <a:lnL w="12700" cap="flat" cmpd="sng" algn="ctr">
+                      <a:solidFill>
+                        <a:schemeClr val="bg1"/>
+                      </a:solidFill>
+                      <a:prstDash val="solid"/>
+                      <a:round/>
+                      <a:headEnd type="none" w="med" len="med"/>
+                      <a:tailEnd type="none" w="med" len="med"/>
+                    </a:lnL>
+                    <a:lnR w="12700" cap="flat" cmpd="sng" algn="ctr">
+                      <a:solidFill>
+                        <a:schemeClr val="bg1"/>
+                      </a:solidFill>
+                      <a:prstDash val="solid"/>
+                      <a:round/>
+                      <a:headEnd type="none" w="med" len="med"/>
+                      <a:tailEnd type="none" w="med" len="med"/>
+                    </a:lnR>
+                    <a:lnT w="12700" cap="flat" cmpd="sng" algn="ctr">
+                      <a:solidFill>
+                        <a:schemeClr val="bg1"/>
+                      </a:solidFill>
+                      <a:prstDash val="solid"/>
+                      <a:round/>
+                      <a:headEnd type="none" w="med" len="med"/>
+                      <a:tailEnd type="none" w="med" len="med"/>
+                    </a:lnT>
+                    <a:lnB w="12700" cap="flat" cmpd="sng" algn="ctr">
+                      <a:solidFill>
+                        <a:schemeClr val="bg1"/>
+                      </a:solidFill>
+                      <a:prstDash val="solid"/>
+                      <a:round/>
+                      <a:headEnd type="none" w="med" len="med"/>
+                      <a:tailEnd type="none" w="med" len="med"/>
+                    </a:lnB>
+                    <a:noFill/>
+                  </a:tcPr>
+                </a:tc>
+                <a:tc gridSpan="2">
+                  <a:txBody>
+                    <a:bodyPr/>
+                    <a:lstStyle/>
+                    <a:p>
+                      <a:pPr marL="0" marR="0" lvl="0" indent="0" algn="ctr" defTabSz="1828800" rtl="0" eaLnBrk="1" fontAlgn="auto" latinLnBrk="0" hangingPunct="1">
+                        <a:lnSpc>
+                          <a:spcPct val="100000"/>
+                        </a:lnSpc>
+                        <a:spcBef>
+                          <a:spcPts val="0"/>
+                        </a:spcBef>
+                        <a:spcAft>
+                          <a:spcPts val="0"/>
+                        </a:spcAft>
+                        <a:buClrTx/>
+                        <a:buSzTx/>
+                        <a:buFontTx/>
+                        <a:buNone/>
+                        <a:tabLst/>
+                        <a:defRPr/>
+                      </a:pPr>
+                      <a:r>
+                        <a:rPr lang="en-US" dirty="0">
+                          <a:solidFill>
+                            <a:schemeClr val="accent3">
+                              <a:lumMod val="75000"/>
+                            </a:schemeClr>
+                          </a:solidFill>
+                          <a:latin typeface="Consolas" panose="020B0609020204030204" pitchFamily="49" charset="0"/>
+                        </a:rPr>
+                        <a:t>invalid</a:t>
+                      </a:r>
+                      <a:endParaRPr lang="en-GB" dirty="0">
+                        <a:solidFill>
+                          <a:schemeClr val="accent3">
+                            <a:lumMod val="75000"/>
+                          </a:schemeClr>
+                        </a:solidFill>
+                        <a:latin typeface="Consolas" panose="020B0609020204030204" pitchFamily="49" charset="0"/>
+                      </a:endParaRPr>
+                    </a:p>
+                  </a:txBody>
+                  <a:tcPr>
+                    <a:lnL w="12700" cap="flat" cmpd="sng" algn="ctr">
+                      <a:solidFill>
+                        <a:schemeClr val="bg1"/>
+                      </a:solidFill>
+                      <a:prstDash val="solid"/>
+                      <a:round/>
+                      <a:headEnd type="none" w="med" len="med"/>
+                      <a:tailEnd type="none" w="med" len="med"/>
+                    </a:lnL>
+                    <a:lnR w="12700" cap="flat" cmpd="sng" algn="ctr">
+                      <a:solidFill>
+                        <a:schemeClr val="bg1"/>
+                      </a:solidFill>
+                      <a:prstDash val="solid"/>
+                      <a:round/>
+                      <a:headEnd type="none" w="med" len="med"/>
+                      <a:tailEnd type="none" w="med" len="med"/>
+                    </a:lnR>
+                    <a:lnT w="12700" cap="flat" cmpd="sng" algn="ctr">
+                      <a:solidFill>
+                        <a:schemeClr val="bg1"/>
+                      </a:solidFill>
+                      <a:prstDash val="solid"/>
+                      <a:round/>
+                      <a:headEnd type="none" w="med" len="med"/>
+                      <a:tailEnd type="none" w="med" len="med"/>
+                    </a:lnT>
+                    <a:lnB w="12700" cap="flat" cmpd="sng" algn="ctr">
+                      <a:solidFill>
+                        <a:schemeClr val="bg1"/>
+                      </a:solidFill>
+                      <a:prstDash val="solid"/>
+                      <a:round/>
+                      <a:headEnd type="none" w="med" len="med"/>
+                      <a:tailEnd type="none" w="med" len="med"/>
+                    </a:lnB>
+                    <a:solidFill>
+                      <a:schemeClr val="accent3">
+                        <a:lumMod val="50000"/>
+                      </a:schemeClr>
+                    </a:solidFill>
+                  </a:tcPr>
+                </a:tc>
+                <a:tc hMerge="1">
+                  <a:txBody>
+                    <a:bodyPr/>
+                    <a:lstStyle/>
+                    <a:p>
+                      <a:endParaRPr lang="en-GB" dirty="0"/>
+                    </a:p>
+                  </a:txBody>
+                  <a:tcPr>
+                    <a:lnL w="12700" cap="flat" cmpd="sng" algn="ctr">
+                      <a:solidFill>
+                        <a:schemeClr val="tx1"/>
+                      </a:solidFill>
+                      <a:prstDash val="solid"/>
+                      <a:round/>
+                      <a:headEnd type="none" w="med" len="med"/>
+                      <a:tailEnd type="none" w="med" len="med"/>
+                    </a:lnL>
+                    <a:lnR w="12700" cap="flat" cmpd="sng" algn="ctr">
+                      <a:solidFill>
+                        <a:schemeClr val="bg1"/>
+                      </a:solidFill>
+                      <a:prstDash val="solid"/>
+                      <a:round/>
+                      <a:headEnd type="none" w="med" len="med"/>
+                      <a:tailEnd type="none" w="med" len="med"/>
+                    </a:lnR>
+                    <a:lnT w="12700" cap="flat" cmpd="sng" algn="ctr">
+                      <a:solidFill>
+                        <a:schemeClr val="bg1"/>
+                      </a:solidFill>
+                      <a:prstDash val="solid"/>
+                      <a:round/>
+                      <a:headEnd type="none" w="med" len="med"/>
+                      <a:tailEnd type="none" w="med" len="med"/>
+                    </a:lnT>
+                    <a:lnB w="12700" cap="flat" cmpd="sng" algn="ctr">
+                      <a:solidFill>
+                        <a:schemeClr val="bg1"/>
+                      </a:solidFill>
+                      <a:prstDash val="solid"/>
+                      <a:round/>
+                      <a:headEnd type="none" w="med" len="med"/>
+                      <a:tailEnd type="none" w="med" len="med"/>
+                    </a:lnB>
+                    <a:solidFill>
+                      <a:schemeClr val="accent3">
+                        <a:lumMod val="50000"/>
+                      </a:schemeClr>
+                    </a:solidFill>
+                  </a:tcPr>
+                </a:tc>
+                <a:tc>
+                  <a:txBody>
+                    <a:bodyPr/>
+                    <a:lstStyle/>
+                    <a:p>
+                      <a:pPr marL="0" marR="0" lvl="0" indent="0" algn="ctr" defTabSz="1828800" rtl="0" eaLnBrk="1" fontAlgn="auto" latinLnBrk="0" hangingPunct="1">
+                        <a:lnSpc>
+                          <a:spcPct val="100000"/>
+                        </a:lnSpc>
+                        <a:spcBef>
+                          <a:spcPts val="0"/>
+                        </a:spcBef>
+                        <a:spcAft>
+                          <a:spcPts val="0"/>
+                        </a:spcAft>
+                        <a:buClrTx/>
+                        <a:buSzTx/>
+                        <a:buFontTx/>
+                        <a:buNone/>
+                        <a:tabLst/>
+                        <a:defRPr/>
+                      </a:pPr>
+                      <a:r>
+                        <a:rPr lang="en-US" dirty="0">
+                          <a:solidFill>
+                            <a:schemeClr val="accent2">
+                              <a:lumMod val="40000"/>
+                              <a:lumOff val="60000"/>
+                            </a:schemeClr>
+                          </a:solidFill>
+                          <a:latin typeface="Consolas" panose="020B0609020204030204" pitchFamily="49" charset="0"/>
+                        </a:rPr>
+                        <a:t>goto 2.3</a:t>
+                      </a:r>
+                      <a:endParaRPr lang="en-GB" dirty="0">
+                        <a:solidFill>
+                          <a:schemeClr val="accent2">
+                            <a:lumMod val="40000"/>
+                            <a:lumOff val="60000"/>
+                          </a:schemeClr>
+                        </a:solidFill>
+                        <a:latin typeface="Consolas" panose="020B0609020204030204" pitchFamily="49" charset="0"/>
+                      </a:endParaRPr>
+                    </a:p>
+                  </a:txBody>
+                  <a:tcPr>
+                    <a:lnL w="12700" cap="flat" cmpd="sng" algn="ctr">
+                      <a:solidFill>
+                        <a:schemeClr val="bg1"/>
+                      </a:solidFill>
+                      <a:prstDash val="solid"/>
+                      <a:round/>
+                      <a:headEnd type="none" w="med" len="med"/>
+                      <a:tailEnd type="none" w="med" len="med"/>
+                    </a:lnL>
+                    <a:lnR w="12700" cap="flat" cmpd="sng" algn="ctr">
+                      <a:solidFill>
+                        <a:schemeClr val="bg1"/>
+                      </a:solidFill>
+                      <a:prstDash val="solid"/>
+                      <a:round/>
+                      <a:headEnd type="none" w="med" len="med"/>
+                      <a:tailEnd type="none" w="med" len="med"/>
+                    </a:lnR>
+                    <a:lnT w="12700" cap="flat" cmpd="sng" algn="ctr">
+                      <a:solidFill>
+                        <a:schemeClr val="bg1"/>
+                      </a:solidFill>
+                      <a:prstDash val="solid"/>
+                      <a:round/>
+                      <a:headEnd type="none" w="med" len="med"/>
+                      <a:tailEnd type="none" w="med" len="med"/>
+                    </a:lnT>
+                    <a:lnB w="12700" cap="flat" cmpd="sng" algn="ctr">
+                      <a:solidFill>
+                        <a:schemeClr val="bg1"/>
+                      </a:solidFill>
+                      <a:prstDash val="solid"/>
+                      <a:round/>
+                      <a:headEnd type="none" w="med" len="med"/>
+                      <a:tailEnd type="none" w="med" len="med"/>
+                    </a:lnB>
+                    <a:solidFill>
+                      <a:schemeClr val="accent2">
+                        <a:lumMod val="50000"/>
+                      </a:schemeClr>
+                    </a:solidFill>
+                  </a:tcPr>
+                </a:tc>
+                <a:tc>
+                  <a:txBody>
+                    <a:bodyPr/>
+                    <a:lstStyle/>
+                    <a:p>
+                      <a:pPr marL="0" marR="0" lvl="0" indent="0" algn="ctr" defTabSz="1828800" rtl="0" eaLnBrk="1" fontAlgn="auto" latinLnBrk="0" hangingPunct="1">
+                        <a:lnSpc>
+                          <a:spcPct val="100000"/>
+                        </a:lnSpc>
+                        <a:spcBef>
+                          <a:spcPts val="0"/>
+                        </a:spcBef>
+                        <a:spcAft>
+                          <a:spcPts val="0"/>
+                        </a:spcAft>
+                        <a:buClrTx/>
+                        <a:buSzTx/>
+                        <a:buFontTx/>
+                        <a:buNone/>
+                        <a:tabLst/>
+                        <a:defRPr/>
+                      </a:pPr>
+                      <a:r>
+                        <a:rPr lang="en-US" dirty="0">
+                          <a:solidFill>
+                            <a:schemeClr val="accent2">
+                              <a:lumMod val="40000"/>
+                              <a:lumOff val="60000"/>
+                            </a:schemeClr>
+                          </a:solidFill>
+                          <a:latin typeface="Consolas" panose="020B0609020204030204" pitchFamily="49" charset="0"/>
+                        </a:rPr>
+                        <a:t>goto 2.4</a:t>
+                      </a:r>
+                      <a:endParaRPr lang="en-GB" dirty="0">
+                        <a:solidFill>
+                          <a:schemeClr val="accent2">
+                            <a:lumMod val="40000"/>
+                            <a:lumOff val="60000"/>
+                          </a:schemeClr>
+                        </a:solidFill>
+                        <a:latin typeface="Consolas" panose="020B0609020204030204" pitchFamily="49" charset="0"/>
+                      </a:endParaRPr>
+                    </a:p>
+                  </a:txBody>
+                  <a:tcPr>
+                    <a:lnL w="12700" cap="flat" cmpd="sng" algn="ctr">
+                      <a:solidFill>
+                        <a:schemeClr val="bg1"/>
+                      </a:solidFill>
+                      <a:prstDash val="solid"/>
+                      <a:round/>
+                      <a:headEnd type="none" w="med" len="med"/>
+                      <a:tailEnd type="none" w="med" len="med"/>
+                    </a:lnL>
+                    <a:lnR w="12700" cap="flat" cmpd="sng" algn="ctr">
+                      <a:solidFill>
+                        <a:schemeClr val="bg1"/>
+                      </a:solidFill>
+                      <a:prstDash val="solid"/>
+                      <a:round/>
+                      <a:headEnd type="none" w="med" len="med"/>
+                      <a:tailEnd type="none" w="med" len="med"/>
+                    </a:lnR>
+                    <a:lnT w="12700" cap="flat" cmpd="sng" algn="ctr">
+                      <a:solidFill>
+                        <a:schemeClr val="bg1"/>
+                      </a:solidFill>
+                      <a:prstDash val="solid"/>
+                      <a:round/>
+                      <a:headEnd type="none" w="med" len="med"/>
+                      <a:tailEnd type="none" w="med" len="med"/>
+                    </a:lnT>
+                    <a:lnB w="12700" cap="flat" cmpd="sng" algn="ctr">
+                      <a:solidFill>
+                        <a:schemeClr val="bg1"/>
+                      </a:solidFill>
+                      <a:prstDash val="solid"/>
+                      <a:round/>
+                      <a:headEnd type="none" w="med" len="med"/>
+                      <a:tailEnd type="none" w="med" len="med"/>
+                    </a:lnB>
+                    <a:solidFill>
+                      <a:schemeClr val="accent2">
+                        <a:lumMod val="50000"/>
+                      </a:schemeClr>
+                    </a:solidFill>
+                  </a:tcPr>
+                </a:tc>
+                <a:tc>
+                  <a:txBody>
+                    <a:bodyPr/>
+                    <a:lstStyle/>
+                    <a:p>
+                      <a:pPr marL="0" marR="0" lvl="0" indent="0" algn="ctr" defTabSz="1828800" rtl="0" eaLnBrk="1" fontAlgn="auto" latinLnBrk="0" hangingPunct="1">
+                        <a:lnSpc>
+                          <a:spcPct val="100000"/>
+                        </a:lnSpc>
+                        <a:spcBef>
+                          <a:spcPts val="0"/>
+                        </a:spcBef>
+                        <a:spcAft>
+                          <a:spcPts val="0"/>
+                        </a:spcAft>
+                        <a:buClrTx/>
+                        <a:buSzTx/>
+                        <a:buFontTx/>
+                        <a:buNone/>
+                        <a:tabLst/>
+                        <a:defRPr/>
+                      </a:pPr>
+                      <a:r>
+                        <a:rPr lang="en-US" dirty="0">
+                          <a:solidFill>
+                            <a:schemeClr val="accent2">
+                              <a:lumMod val="40000"/>
+                              <a:lumOff val="60000"/>
+                            </a:schemeClr>
+                          </a:solidFill>
+                          <a:latin typeface="Consolas" panose="020B0609020204030204" pitchFamily="49" charset="0"/>
+                        </a:rPr>
+                        <a:t>goto 2.5</a:t>
+                      </a:r>
+                      <a:endParaRPr lang="en-GB" dirty="0">
+                        <a:solidFill>
+                          <a:schemeClr val="accent2">
+                            <a:lumMod val="40000"/>
+                            <a:lumOff val="60000"/>
+                          </a:schemeClr>
+                        </a:solidFill>
+                        <a:latin typeface="Consolas" panose="020B0609020204030204" pitchFamily="49" charset="0"/>
+                      </a:endParaRPr>
+                    </a:p>
+                  </a:txBody>
+                  <a:tcPr>
+                    <a:lnL w="12700" cap="flat" cmpd="sng" algn="ctr">
+                      <a:solidFill>
+                        <a:schemeClr val="bg1"/>
+                      </a:solidFill>
+                      <a:prstDash val="solid"/>
+                      <a:round/>
+                      <a:headEnd type="none" w="med" len="med"/>
+                      <a:tailEnd type="none" w="med" len="med"/>
+                    </a:lnL>
+                    <a:lnR w="12700" cap="flat" cmpd="sng" algn="ctr">
+                      <a:solidFill>
+                        <a:schemeClr val="tx1"/>
+                      </a:solidFill>
+                      <a:prstDash val="solid"/>
+                      <a:round/>
+                      <a:headEnd type="none" w="med" len="med"/>
+                      <a:tailEnd type="none" w="med" len="med"/>
+                    </a:lnR>
+                    <a:lnT w="12700" cap="flat" cmpd="sng" algn="ctr">
+                      <a:solidFill>
+                        <a:schemeClr val="bg1"/>
+                      </a:solidFill>
+                      <a:prstDash val="solid"/>
+                      <a:round/>
+                      <a:headEnd type="none" w="med" len="med"/>
+                      <a:tailEnd type="none" w="med" len="med"/>
+                    </a:lnT>
+                    <a:lnB w="12700" cap="flat" cmpd="sng" algn="ctr">
+                      <a:solidFill>
+                        <a:schemeClr val="bg1"/>
+                      </a:solidFill>
+                      <a:prstDash val="solid"/>
+                      <a:round/>
+                      <a:headEnd type="none" w="med" len="med"/>
+                      <a:tailEnd type="none" w="med" len="med"/>
+                    </a:lnB>
+                    <a:solidFill>
+                      <a:schemeClr val="accent2">
+                        <a:lumMod val="50000"/>
+                      </a:schemeClr>
+                    </a:solidFill>
+                  </a:tcPr>
+                </a:tc>
+                <a:extLst>
+                  <a:ext uri="{0D108BD9-81ED-4DB2-BD59-A6C34878D82A}">
+                    <a16:rowId xmlns:a16="http://schemas.microsoft.com/office/drawing/2014/main" val="3009686636"/>
+                  </a:ext>
+                </a:extLst>
+              </a:tr>
+              <a:tr h="370840">
+                <a:tc>
+                  <a:txBody>
+                    <a:bodyPr/>
+                    <a:lstStyle/>
+                    <a:p>
+                      <a:pPr algn="ctr"/>
+                      <a:r>
+                        <a:rPr lang="en-US" dirty="0">
+                          <a:solidFill>
+                            <a:schemeClr val="bg1"/>
+                          </a:solidFill>
+                          <a:latin typeface="Consolas" panose="020B0609020204030204" pitchFamily="49" charset="0"/>
+                        </a:rPr>
+                        <a:t>To 3</a:t>
+                      </a:r>
+                      <a:endParaRPr lang="en-GB" dirty="0">
+                        <a:solidFill>
+                          <a:schemeClr val="bg1"/>
+                        </a:solidFill>
+                        <a:latin typeface="Consolas" panose="020B0609020204030204" pitchFamily="49" charset="0"/>
+                      </a:endParaRPr>
+                    </a:p>
+                  </a:txBody>
+                  <a:tcPr>
+                    <a:lnL w="12700" cap="flat" cmpd="sng" algn="ctr">
+                      <a:solidFill>
+                        <a:schemeClr val="tx1"/>
+                      </a:solidFill>
+                      <a:prstDash val="solid"/>
+                      <a:round/>
+                      <a:headEnd type="none" w="med" len="med"/>
+                      <a:tailEnd type="none" w="med" len="med"/>
+                    </a:lnL>
+                    <a:lnR w="12700" cap="flat" cmpd="sng" algn="ctr">
+                      <a:solidFill>
+                        <a:schemeClr val="bg1"/>
+                      </a:solidFill>
+                      <a:prstDash val="solid"/>
+                      <a:round/>
+                      <a:headEnd type="none" w="med" len="med"/>
+                      <a:tailEnd type="none" w="med" len="med"/>
+                    </a:lnR>
+                    <a:lnT w="12700" cap="flat" cmpd="sng" algn="ctr">
+                      <a:solidFill>
+                        <a:schemeClr val="bg1"/>
+                      </a:solidFill>
+                      <a:prstDash val="solid"/>
+                      <a:round/>
+                      <a:headEnd type="none" w="med" len="med"/>
+                      <a:tailEnd type="none" w="med" len="med"/>
+                    </a:lnT>
+                    <a:lnB w="12700" cap="flat" cmpd="sng" algn="ctr">
+                      <a:solidFill>
+                        <a:schemeClr val="bg1"/>
+                      </a:solidFill>
+                      <a:prstDash val="solid"/>
+                      <a:round/>
+                      <a:headEnd type="none" w="med" len="med"/>
+                      <a:tailEnd type="none" w="med" len="med"/>
+                    </a:lnB>
+                    <a:lnTlToBr w="12700" cmpd="sng">
+                      <a:noFill/>
+                      <a:prstDash val="solid"/>
+                    </a:lnTlToBr>
+                    <a:lnBlToTr w="12700" cmpd="sng">
+                      <a:noFill/>
+                      <a:prstDash val="solid"/>
+                    </a:lnBlToTr>
+                    <a:noFill/>
+                  </a:tcPr>
+                </a:tc>
+                <a:tc>
+                  <a:txBody>
+                    <a:bodyPr/>
+                    <a:lstStyle/>
+                    <a:p>
+                      <a:pPr algn="ctr"/>
+                      <a:r>
+                        <a:rPr lang="en-US" dirty="0">
+                          <a:solidFill>
+                            <a:schemeClr val="accent6">
+                              <a:lumMod val="60000"/>
+                              <a:lumOff val="40000"/>
+                            </a:schemeClr>
+                          </a:solidFill>
+                          <a:latin typeface="Consolas" panose="020B0609020204030204" pitchFamily="49" charset="0"/>
+                        </a:rPr>
+                        <a:t>1.3</a:t>
+                      </a:r>
+                      <a:endParaRPr lang="en-GB" dirty="0">
+                        <a:solidFill>
+                          <a:schemeClr val="accent6">
+                            <a:lumMod val="60000"/>
+                            <a:lumOff val="40000"/>
+                          </a:schemeClr>
+                        </a:solidFill>
+                        <a:latin typeface="Consolas" panose="020B0609020204030204" pitchFamily="49" charset="0"/>
+                      </a:endParaRPr>
+                    </a:p>
+                  </a:txBody>
+                  <a:tcPr>
+                    <a:lnL w="12700" cap="flat" cmpd="sng" algn="ctr">
+                      <a:solidFill>
+                        <a:schemeClr val="bg1"/>
+                      </a:solidFill>
+                      <a:prstDash val="solid"/>
+                      <a:round/>
+                      <a:headEnd type="none" w="med" len="med"/>
+                      <a:tailEnd type="none" w="med" len="med"/>
+                    </a:lnL>
+                    <a:lnR w="12700" cap="flat" cmpd="sng" algn="ctr">
+                      <a:solidFill>
+                        <a:schemeClr val="bg1"/>
+                      </a:solidFill>
+                      <a:prstDash val="solid"/>
+                      <a:round/>
+                      <a:headEnd type="none" w="med" len="med"/>
+                      <a:tailEnd type="none" w="med" len="med"/>
+                    </a:lnR>
+                    <a:lnT w="12700" cap="flat" cmpd="sng" algn="ctr">
+                      <a:solidFill>
+                        <a:schemeClr val="bg1"/>
+                      </a:solidFill>
+                      <a:prstDash val="solid"/>
+                      <a:round/>
+                      <a:headEnd type="none" w="med" len="med"/>
+                      <a:tailEnd type="none" w="med" len="med"/>
+                    </a:lnT>
+                    <a:lnB w="12700" cap="flat" cmpd="sng" algn="ctr">
+                      <a:solidFill>
+                        <a:schemeClr val="bg1"/>
+                      </a:solidFill>
+                      <a:prstDash val="solid"/>
+                      <a:round/>
+                      <a:headEnd type="none" w="med" len="med"/>
+                      <a:tailEnd type="none" w="med" len="med"/>
+                    </a:lnB>
+                    <a:noFill/>
+                  </a:tcPr>
+                </a:tc>
+                <a:tc gridSpan="2">
+                  <a:txBody>
+                    <a:bodyPr/>
+                    <a:lstStyle/>
+                    <a:p>
+                      <a:pPr algn="ctr"/>
+                      <a:r>
+                        <a:rPr lang="en-US" dirty="0">
+                          <a:solidFill>
+                            <a:schemeClr val="accent6">
+                              <a:lumMod val="60000"/>
+                              <a:lumOff val="40000"/>
+                            </a:schemeClr>
+                          </a:solidFill>
+                          <a:latin typeface="Consolas" panose="020B0609020204030204" pitchFamily="49" charset="0"/>
+                        </a:rPr>
+                        <a:t>2.3</a:t>
+                      </a:r>
+                      <a:endParaRPr lang="en-GB" dirty="0">
+                        <a:solidFill>
+                          <a:schemeClr val="accent6">
+                            <a:lumMod val="60000"/>
+                            <a:lumOff val="40000"/>
+                          </a:schemeClr>
+                        </a:solidFill>
+                        <a:latin typeface="Consolas" panose="020B0609020204030204" pitchFamily="49" charset="0"/>
+                      </a:endParaRPr>
+                    </a:p>
+                  </a:txBody>
+                  <a:tcPr>
+                    <a:lnL w="12700" cap="flat" cmpd="sng" algn="ctr">
+                      <a:solidFill>
+                        <a:schemeClr val="bg1"/>
+                      </a:solidFill>
+                      <a:prstDash val="solid"/>
+                      <a:round/>
+                      <a:headEnd type="none" w="med" len="med"/>
+                      <a:tailEnd type="none" w="med" len="med"/>
+                    </a:lnL>
+                    <a:lnR w="12700" cap="flat" cmpd="sng" algn="ctr">
+                      <a:solidFill>
+                        <a:schemeClr val="bg1"/>
+                      </a:solidFill>
+                      <a:prstDash val="solid"/>
+                      <a:round/>
+                      <a:headEnd type="none" w="med" len="med"/>
+                      <a:tailEnd type="none" w="med" len="med"/>
+                    </a:lnR>
+                    <a:lnT w="12700" cap="flat" cmpd="sng" algn="ctr">
+                      <a:solidFill>
+                        <a:schemeClr val="bg1"/>
+                      </a:solidFill>
+                      <a:prstDash val="solid"/>
+                      <a:round/>
+                      <a:headEnd type="none" w="med" len="med"/>
+                      <a:tailEnd type="none" w="med" len="med"/>
+                    </a:lnT>
+                    <a:lnB w="12700" cap="flat" cmpd="sng" algn="ctr">
+                      <a:solidFill>
+                        <a:schemeClr val="bg1"/>
+                      </a:solidFill>
+                      <a:prstDash val="solid"/>
+                      <a:round/>
+                      <a:headEnd type="none" w="med" len="med"/>
+                      <a:tailEnd type="none" w="med" len="med"/>
+                    </a:lnB>
+                    <a:noFill/>
+                  </a:tcPr>
+                </a:tc>
+                <a:tc hMerge="1">
+                  <a:txBody>
+                    <a:bodyPr/>
+                    <a:lstStyle/>
+                    <a:p>
+                      <a:endParaRPr lang="en-GB" dirty="0"/>
+                    </a:p>
+                  </a:txBody>
+                  <a:tcPr>
+                    <a:lnL w="12700" cap="flat" cmpd="sng" algn="ctr">
+                      <a:solidFill>
+                        <a:schemeClr val="tx1"/>
+                      </a:solidFill>
+                      <a:prstDash val="solid"/>
+                      <a:round/>
+                      <a:headEnd type="none" w="med" len="med"/>
+                      <a:tailEnd type="none" w="med" len="med"/>
+                    </a:lnL>
+                    <a:lnR w="12700" cap="flat" cmpd="sng" algn="ctr">
+                      <a:solidFill>
+                        <a:schemeClr val="bg1"/>
+                      </a:solidFill>
+                      <a:prstDash val="solid"/>
+                      <a:round/>
+                      <a:headEnd type="none" w="med" len="med"/>
+                      <a:tailEnd type="none" w="med" len="med"/>
+                    </a:lnR>
+                    <a:lnT w="12700" cap="flat" cmpd="sng" algn="ctr">
+                      <a:solidFill>
+                        <a:schemeClr val="bg1"/>
+                      </a:solidFill>
+                      <a:prstDash val="solid"/>
+                      <a:round/>
+                      <a:headEnd type="none" w="med" len="med"/>
+                      <a:tailEnd type="none" w="med" len="med"/>
+                    </a:lnT>
+                    <a:lnB w="12700" cap="flat" cmpd="sng" algn="ctr">
+                      <a:solidFill>
+                        <a:schemeClr val="bg1"/>
+                      </a:solidFill>
+                      <a:prstDash val="solid"/>
+                      <a:round/>
+                      <a:headEnd type="none" w="med" len="med"/>
+                      <a:tailEnd type="none" w="med" len="med"/>
+                    </a:lnB>
+                    <a:noFill/>
+                  </a:tcPr>
+                </a:tc>
+                <a:tc>
+                  <a:txBody>
+                    <a:bodyPr/>
+                    <a:lstStyle/>
+                    <a:p>
+                      <a:pPr marL="0" marR="0" lvl="0" indent="0" algn="ctr" defTabSz="1828800" rtl="0" eaLnBrk="1" fontAlgn="auto" latinLnBrk="0" hangingPunct="1">
+                        <a:lnSpc>
+                          <a:spcPct val="100000"/>
+                        </a:lnSpc>
+                        <a:spcBef>
+                          <a:spcPts val="0"/>
+                        </a:spcBef>
+                        <a:spcAft>
+                          <a:spcPts val="0"/>
+                        </a:spcAft>
+                        <a:buClrTx/>
+                        <a:buSzTx/>
+                        <a:buFontTx/>
+                        <a:buNone/>
+                        <a:tabLst/>
+                        <a:defRPr/>
+                      </a:pPr>
+                      <a:r>
+                        <a:rPr lang="en-US" dirty="0">
+                          <a:solidFill>
+                            <a:schemeClr val="accent3">
+                              <a:lumMod val="75000"/>
+                            </a:schemeClr>
+                          </a:solidFill>
+                          <a:latin typeface="Consolas" panose="020B0609020204030204" pitchFamily="49" charset="0"/>
+                        </a:rPr>
+                        <a:t>invalid</a:t>
+                      </a:r>
+                      <a:endParaRPr lang="en-GB" dirty="0">
+                        <a:solidFill>
+                          <a:schemeClr val="accent3">
+                            <a:lumMod val="75000"/>
+                          </a:schemeClr>
+                        </a:solidFill>
+                        <a:latin typeface="Consolas" panose="020B0609020204030204" pitchFamily="49" charset="0"/>
+                      </a:endParaRPr>
+                    </a:p>
+                  </a:txBody>
+                  <a:tcPr>
+                    <a:lnL w="12700" cap="flat" cmpd="sng" algn="ctr">
+                      <a:solidFill>
+                        <a:schemeClr val="bg1"/>
+                      </a:solidFill>
+                      <a:prstDash val="solid"/>
+                      <a:round/>
+                      <a:headEnd type="none" w="med" len="med"/>
+                      <a:tailEnd type="none" w="med" len="med"/>
+                    </a:lnL>
+                    <a:lnR w="12700" cap="flat" cmpd="sng" algn="ctr">
+                      <a:solidFill>
+                        <a:schemeClr val="bg1"/>
+                      </a:solidFill>
+                      <a:prstDash val="solid"/>
+                      <a:round/>
+                      <a:headEnd type="none" w="med" len="med"/>
+                      <a:tailEnd type="none" w="med" len="med"/>
+                    </a:lnR>
+                    <a:lnT w="12700" cap="flat" cmpd="sng" algn="ctr">
+                      <a:solidFill>
+                        <a:schemeClr val="bg1"/>
+                      </a:solidFill>
+                      <a:prstDash val="solid"/>
+                      <a:round/>
+                      <a:headEnd type="none" w="med" len="med"/>
+                      <a:tailEnd type="none" w="med" len="med"/>
+                    </a:lnT>
+                    <a:lnB w="12700" cap="flat" cmpd="sng" algn="ctr">
+                      <a:solidFill>
+                        <a:schemeClr val="bg1"/>
+                      </a:solidFill>
+                      <a:prstDash val="solid"/>
+                      <a:round/>
+                      <a:headEnd type="none" w="med" len="med"/>
+                      <a:tailEnd type="none" w="med" len="med"/>
+                    </a:lnB>
+                    <a:solidFill>
+                      <a:schemeClr val="accent3">
+                        <a:lumMod val="50000"/>
+                      </a:schemeClr>
+                    </a:solidFill>
+                  </a:tcPr>
+                </a:tc>
+                <a:tc>
+                  <a:txBody>
+                    <a:bodyPr/>
+                    <a:lstStyle/>
+                    <a:p>
+                      <a:pPr marL="0" marR="0" lvl="0" indent="0" algn="ctr" defTabSz="1828800" rtl="0" eaLnBrk="1" fontAlgn="auto" latinLnBrk="0" hangingPunct="1">
+                        <a:lnSpc>
+                          <a:spcPct val="100000"/>
+                        </a:lnSpc>
+                        <a:spcBef>
+                          <a:spcPts val="0"/>
+                        </a:spcBef>
+                        <a:spcAft>
+                          <a:spcPts val="0"/>
+                        </a:spcAft>
+                        <a:buClrTx/>
+                        <a:buSzTx/>
+                        <a:buFontTx/>
+                        <a:buNone/>
+                        <a:tabLst/>
+                        <a:defRPr/>
+                      </a:pPr>
+                      <a:r>
+                        <a:rPr lang="en-US" dirty="0">
+                          <a:solidFill>
+                            <a:schemeClr val="accent2">
+                              <a:lumMod val="40000"/>
+                              <a:lumOff val="60000"/>
+                            </a:schemeClr>
+                          </a:solidFill>
+                          <a:latin typeface="Consolas" panose="020B0609020204030204" pitchFamily="49" charset="0"/>
+                        </a:rPr>
+                        <a:t>goto 3.2</a:t>
+                      </a:r>
+                      <a:endParaRPr lang="en-GB" dirty="0">
+                        <a:solidFill>
+                          <a:schemeClr val="accent2">
+                            <a:lumMod val="40000"/>
+                            <a:lumOff val="60000"/>
+                          </a:schemeClr>
+                        </a:solidFill>
+                        <a:latin typeface="Consolas" panose="020B0609020204030204" pitchFamily="49" charset="0"/>
+                      </a:endParaRPr>
+                    </a:p>
+                  </a:txBody>
+                  <a:tcPr>
+                    <a:lnL w="12700" cap="flat" cmpd="sng" algn="ctr">
+                      <a:solidFill>
+                        <a:schemeClr val="bg1"/>
+                      </a:solidFill>
+                      <a:prstDash val="solid"/>
+                      <a:round/>
+                      <a:headEnd type="none" w="med" len="med"/>
+                      <a:tailEnd type="none" w="med" len="med"/>
+                    </a:lnL>
+                    <a:lnR w="12700" cap="flat" cmpd="sng" algn="ctr">
+                      <a:solidFill>
+                        <a:schemeClr val="bg1"/>
+                      </a:solidFill>
+                      <a:prstDash val="solid"/>
+                      <a:round/>
+                      <a:headEnd type="none" w="med" len="med"/>
+                      <a:tailEnd type="none" w="med" len="med"/>
+                    </a:lnR>
+                    <a:lnT w="12700" cap="flat" cmpd="sng" algn="ctr">
+                      <a:solidFill>
+                        <a:schemeClr val="bg1"/>
+                      </a:solidFill>
+                      <a:prstDash val="solid"/>
+                      <a:round/>
+                      <a:headEnd type="none" w="med" len="med"/>
+                      <a:tailEnd type="none" w="med" len="med"/>
+                    </a:lnT>
+                    <a:lnB w="12700" cap="flat" cmpd="sng" algn="ctr">
+                      <a:solidFill>
+                        <a:schemeClr val="bg1"/>
+                      </a:solidFill>
+                      <a:prstDash val="solid"/>
+                      <a:round/>
+                      <a:headEnd type="none" w="med" len="med"/>
+                      <a:tailEnd type="none" w="med" len="med"/>
+                    </a:lnB>
+                    <a:solidFill>
+                      <a:schemeClr val="accent2">
+                        <a:lumMod val="50000"/>
+                      </a:schemeClr>
+                    </a:solidFill>
+                  </a:tcPr>
+                </a:tc>
+                <a:tc>
+                  <a:txBody>
+                    <a:bodyPr/>
+                    <a:lstStyle/>
+                    <a:p>
+                      <a:pPr marL="0" marR="0" lvl="0" indent="0" algn="ctr" defTabSz="1828800" rtl="0" eaLnBrk="1" fontAlgn="auto" latinLnBrk="0" hangingPunct="1">
+                        <a:lnSpc>
+                          <a:spcPct val="100000"/>
+                        </a:lnSpc>
+                        <a:spcBef>
+                          <a:spcPts val="0"/>
+                        </a:spcBef>
+                        <a:spcAft>
+                          <a:spcPts val="0"/>
+                        </a:spcAft>
+                        <a:buClrTx/>
+                        <a:buSzTx/>
+                        <a:buFontTx/>
+                        <a:buNone/>
+                        <a:tabLst/>
+                        <a:defRPr/>
+                      </a:pPr>
+                      <a:r>
+                        <a:rPr lang="en-US" dirty="0">
+                          <a:solidFill>
+                            <a:schemeClr val="accent2">
+                              <a:lumMod val="40000"/>
+                              <a:lumOff val="60000"/>
+                            </a:schemeClr>
+                          </a:solidFill>
+                          <a:latin typeface="Consolas" panose="020B0609020204030204" pitchFamily="49" charset="0"/>
+                        </a:rPr>
+                        <a:t>goto 3.5</a:t>
+                      </a:r>
+                      <a:endParaRPr lang="en-GB" dirty="0">
+                        <a:solidFill>
+                          <a:schemeClr val="accent2">
+                            <a:lumMod val="40000"/>
+                            <a:lumOff val="60000"/>
+                          </a:schemeClr>
+                        </a:solidFill>
+                        <a:latin typeface="Consolas" panose="020B0609020204030204" pitchFamily="49" charset="0"/>
+                      </a:endParaRPr>
+                    </a:p>
+                  </a:txBody>
+                  <a:tcPr>
+                    <a:lnL w="12700" cap="flat" cmpd="sng" algn="ctr">
+                      <a:solidFill>
+                        <a:schemeClr val="bg1"/>
+                      </a:solidFill>
+                      <a:prstDash val="solid"/>
+                      <a:round/>
+                      <a:headEnd type="none" w="med" len="med"/>
+                      <a:tailEnd type="none" w="med" len="med"/>
+                    </a:lnL>
+                    <a:lnR w="12700" cap="flat" cmpd="sng" algn="ctr">
+                      <a:solidFill>
+                        <a:schemeClr val="tx1"/>
+                      </a:solidFill>
+                      <a:prstDash val="solid"/>
+                      <a:round/>
+                      <a:headEnd type="none" w="med" len="med"/>
+                      <a:tailEnd type="none" w="med" len="med"/>
+                    </a:lnR>
+                    <a:lnT w="12700" cap="flat" cmpd="sng" algn="ctr">
+                      <a:solidFill>
+                        <a:schemeClr val="bg1"/>
+                      </a:solidFill>
+                      <a:prstDash val="solid"/>
+                      <a:round/>
+                      <a:headEnd type="none" w="med" len="med"/>
+                      <a:tailEnd type="none" w="med" len="med"/>
+                    </a:lnT>
+                    <a:lnB w="12700" cap="flat" cmpd="sng" algn="ctr">
+                      <a:solidFill>
+                        <a:schemeClr val="bg1"/>
+                      </a:solidFill>
+                      <a:prstDash val="solid"/>
+                      <a:round/>
+                      <a:headEnd type="none" w="med" len="med"/>
+                      <a:tailEnd type="none" w="med" len="med"/>
+                    </a:lnB>
+                    <a:solidFill>
+                      <a:schemeClr val="accent2">
+                        <a:lumMod val="50000"/>
+                      </a:schemeClr>
+                    </a:solidFill>
+                  </a:tcPr>
+                </a:tc>
+                <a:extLst>
+                  <a:ext uri="{0D108BD9-81ED-4DB2-BD59-A6C34878D82A}">
+                    <a16:rowId xmlns:a16="http://schemas.microsoft.com/office/drawing/2014/main" val="412688182"/>
+                  </a:ext>
+                </a:extLst>
+              </a:tr>
+              <a:tr h="155252">
+                <a:tc>
+                  <a:txBody>
+                    <a:bodyPr/>
+                    <a:lstStyle/>
+                    <a:p>
+                      <a:pPr algn="ctr"/>
+                      <a:r>
+                        <a:rPr lang="en-US" dirty="0">
+                          <a:solidFill>
+                            <a:schemeClr val="bg1"/>
+                          </a:solidFill>
+                          <a:latin typeface="Consolas" panose="020B0609020204030204" pitchFamily="49" charset="0"/>
+                        </a:rPr>
+                        <a:t>To 4</a:t>
+                      </a:r>
+                      <a:endParaRPr lang="en-GB" dirty="0">
+                        <a:solidFill>
+                          <a:schemeClr val="bg1"/>
+                        </a:solidFill>
+                        <a:latin typeface="Consolas" panose="020B0609020204030204" pitchFamily="49" charset="0"/>
+                      </a:endParaRPr>
+                    </a:p>
+                  </a:txBody>
+                  <a:tcPr>
+                    <a:lnL w="12700" cap="flat" cmpd="sng" algn="ctr">
+                      <a:solidFill>
+                        <a:schemeClr val="tx1"/>
+                      </a:solidFill>
+                      <a:prstDash val="solid"/>
+                      <a:round/>
+                      <a:headEnd type="none" w="med" len="med"/>
+                      <a:tailEnd type="none" w="med" len="med"/>
+                    </a:lnL>
+                    <a:lnR w="12700" cap="flat" cmpd="sng" algn="ctr">
+                      <a:solidFill>
+                        <a:schemeClr val="bg1"/>
+                      </a:solidFill>
+                      <a:prstDash val="solid"/>
+                      <a:round/>
+                      <a:headEnd type="none" w="med" len="med"/>
+                      <a:tailEnd type="none" w="med" len="med"/>
+                    </a:lnR>
+                    <a:lnT w="12700" cap="flat" cmpd="sng" algn="ctr">
+                      <a:solidFill>
+                        <a:schemeClr val="bg1"/>
+                      </a:solidFill>
+                      <a:prstDash val="solid"/>
+                      <a:round/>
+                      <a:headEnd type="none" w="med" len="med"/>
+                      <a:tailEnd type="none" w="med" len="med"/>
+                    </a:lnT>
+                    <a:lnB w="12700" cap="flat" cmpd="sng" algn="ctr">
+                      <a:solidFill>
+                        <a:schemeClr val="bg1"/>
+                      </a:solidFill>
+                      <a:prstDash val="solid"/>
+                      <a:round/>
+                      <a:headEnd type="none" w="med" len="med"/>
+                      <a:tailEnd type="none" w="med" len="med"/>
+                    </a:lnB>
+                    <a:lnTlToBr w="12700" cmpd="sng">
+                      <a:noFill/>
+                      <a:prstDash val="solid"/>
+                    </a:lnTlToBr>
+                    <a:lnBlToTr w="12700" cmpd="sng">
+                      <a:noFill/>
+                      <a:prstDash val="solid"/>
+                    </a:lnBlToTr>
+                    <a:noFill/>
+                  </a:tcPr>
+                </a:tc>
+                <a:tc>
+                  <a:txBody>
+                    <a:bodyPr/>
+                    <a:lstStyle/>
+                    <a:p>
+                      <a:pPr algn="ctr"/>
+                      <a:r>
+                        <a:rPr lang="en-US" dirty="0">
+                          <a:solidFill>
+                            <a:schemeClr val="accent6">
+                              <a:lumMod val="60000"/>
+                              <a:lumOff val="40000"/>
+                            </a:schemeClr>
+                          </a:solidFill>
+                          <a:latin typeface="Consolas" panose="020B0609020204030204" pitchFamily="49" charset="0"/>
+                        </a:rPr>
+                        <a:t>1.4</a:t>
+                      </a:r>
+                      <a:endParaRPr lang="en-GB" dirty="0">
+                        <a:solidFill>
+                          <a:schemeClr val="accent6">
+                            <a:lumMod val="60000"/>
+                            <a:lumOff val="40000"/>
+                          </a:schemeClr>
+                        </a:solidFill>
+                        <a:latin typeface="Consolas" panose="020B0609020204030204" pitchFamily="49" charset="0"/>
+                      </a:endParaRPr>
+                    </a:p>
+                  </a:txBody>
+                  <a:tcPr>
+                    <a:lnL w="12700" cap="flat" cmpd="sng" algn="ctr">
+                      <a:solidFill>
+                        <a:schemeClr val="bg1"/>
+                      </a:solidFill>
+                      <a:prstDash val="solid"/>
+                      <a:round/>
+                      <a:headEnd type="none" w="med" len="med"/>
+                      <a:tailEnd type="none" w="med" len="med"/>
+                    </a:lnL>
+                    <a:lnR w="12700" cap="flat" cmpd="sng" algn="ctr">
+                      <a:solidFill>
+                        <a:schemeClr val="bg1"/>
+                      </a:solidFill>
+                      <a:prstDash val="solid"/>
+                      <a:round/>
+                      <a:headEnd type="none" w="med" len="med"/>
+                      <a:tailEnd type="none" w="med" len="med"/>
+                    </a:lnR>
+                    <a:lnT w="12700" cap="flat" cmpd="sng" algn="ctr">
+                      <a:solidFill>
+                        <a:schemeClr val="bg1"/>
+                      </a:solidFill>
+                      <a:prstDash val="solid"/>
+                      <a:round/>
+                      <a:headEnd type="none" w="med" len="med"/>
+                      <a:tailEnd type="none" w="med" len="med"/>
+                    </a:lnT>
+                    <a:lnB w="12700" cap="flat" cmpd="sng" algn="ctr">
+                      <a:solidFill>
+                        <a:schemeClr val="bg1"/>
+                      </a:solidFill>
+                      <a:prstDash val="solid"/>
+                      <a:round/>
+                      <a:headEnd type="none" w="med" len="med"/>
+                      <a:tailEnd type="none" w="med" len="med"/>
+                    </a:lnB>
+                    <a:noFill/>
+                  </a:tcPr>
+                </a:tc>
+                <a:tc gridSpan="2">
+                  <a:txBody>
+                    <a:bodyPr/>
+                    <a:lstStyle/>
+                    <a:p>
+                      <a:pPr algn="ctr"/>
+                      <a:r>
+                        <a:rPr lang="en-US" dirty="0">
+                          <a:solidFill>
+                            <a:schemeClr val="accent6">
+                              <a:lumMod val="60000"/>
+                              <a:lumOff val="40000"/>
+                            </a:schemeClr>
+                          </a:solidFill>
+                          <a:latin typeface="Consolas" panose="020B0609020204030204" pitchFamily="49" charset="0"/>
+                        </a:rPr>
+                        <a:t>2.4</a:t>
+                      </a:r>
+                      <a:endParaRPr lang="en-GB" dirty="0">
+                        <a:solidFill>
+                          <a:schemeClr val="accent6">
+                            <a:lumMod val="60000"/>
+                            <a:lumOff val="40000"/>
+                          </a:schemeClr>
+                        </a:solidFill>
+                        <a:latin typeface="Consolas" panose="020B0609020204030204" pitchFamily="49" charset="0"/>
+                      </a:endParaRPr>
+                    </a:p>
+                  </a:txBody>
+                  <a:tcPr>
+                    <a:lnL w="12700" cap="flat" cmpd="sng" algn="ctr">
+                      <a:solidFill>
+                        <a:schemeClr val="bg1"/>
+                      </a:solidFill>
+                      <a:prstDash val="solid"/>
+                      <a:round/>
+                      <a:headEnd type="none" w="med" len="med"/>
+                      <a:tailEnd type="none" w="med" len="med"/>
+                    </a:lnL>
+                    <a:lnR w="12700" cap="flat" cmpd="sng" algn="ctr">
+                      <a:solidFill>
+                        <a:schemeClr val="bg1"/>
+                      </a:solidFill>
+                      <a:prstDash val="solid"/>
+                      <a:round/>
+                      <a:headEnd type="none" w="med" len="med"/>
+                      <a:tailEnd type="none" w="med" len="med"/>
+                    </a:lnR>
+                    <a:lnT w="12700" cap="flat" cmpd="sng" algn="ctr">
+                      <a:solidFill>
+                        <a:schemeClr val="bg1"/>
+                      </a:solidFill>
+                      <a:prstDash val="solid"/>
+                      <a:round/>
+                      <a:headEnd type="none" w="med" len="med"/>
+                      <a:tailEnd type="none" w="med" len="med"/>
+                    </a:lnT>
+                    <a:lnB w="12700" cap="flat" cmpd="sng" algn="ctr">
+                      <a:solidFill>
+                        <a:schemeClr val="bg1"/>
+                      </a:solidFill>
+                      <a:prstDash val="solid"/>
+                      <a:round/>
+                      <a:headEnd type="none" w="med" len="med"/>
+                      <a:tailEnd type="none" w="med" len="med"/>
+                    </a:lnB>
+                    <a:noFill/>
+                  </a:tcPr>
+                </a:tc>
+                <a:tc hMerge="1">
+                  <a:txBody>
+                    <a:bodyPr/>
+                    <a:lstStyle/>
+                    <a:p>
+                      <a:endParaRPr lang="en-GB" dirty="0"/>
+                    </a:p>
+                  </a:txBody>
+                  <a:tcPr>
+                    <a:lnL w="12700" cap="flat" cmpd="sng" algn="ctr">
+                      <a:solidFill>
+                        <a:schemeClr val="tx1"/>
+                      </a:solidFill>
+                      <a:prstDash val="solid"/>
+                      <a:round/>
+                      <a:headEnd type="none" w="med" len="med"/>
+                      <a:tailEnd type="none" w="med" len="med"/>
+                    </a:lnL>
+                    <a:lnR w="12700" cap="flat" cmpd="sng" algn="ctr">
+                      <a:solidFill>
+                        <a:schemeClr val="bg1"/>
+                      </a:solidFill>
+                      <a:prstDash val="solid"/>
+                      <a:round/>
+                      <a:headEnd type="none" w="med" len="med"/>
+                      <a:tailEnd type="none" w="med" len="med"/>
+                    </a:lnR>
+                    <a:lnT w="12700" cap="flat" cmpd="sng" algn="ctr">
+                      <a:solidFill>
+                        <a:schemeClr val="bg1"/>
+                      </a:solidFill>
+                      <a:prstDash val="solid"/>
+                      <a:round/>
+                      <a:headEnd type="none" w="med" len="med"/>
+                      <a:tailEnd type="none" w="med" len="med"/>
+                    </a:lnT>
+                    <a:lnB w="12700" cap="flat" cmpd="sng" algn="ctr">
+                      <a:solidFill>
+                        <a:schemeClr val="bg1"/>
+                      </a:solidFill>
+                      <a:prstDash val="solid"/>
+                      <a:round/>
+                      <a:headEnd type="none" w="med" len="med"/>
+                      <a:tailEnd type="none" w="med" len="med"/>
+                    </a:lnB>
+                    <a:noFill/>
+                  </a:tcPr>
+                </a:tc>
+                <a:tc>
+                  <a:txBody>
+                    <a:bodyPr/>
+                    <a:lstStyle/>
+                    <a:p>
+                      <a:pPr algn="ctr"/>
+                      <a:r>
+                        <a:rPr lang="en-US" dirty="0">
+                          <a:solidFill>
+                            <a:schemeClr val="accent6">
+                              <a:lumMod val="60000"/>
+                              <a:lumOff val="40000"/>
+                            </a:schemeClr>
+                          </a:solidFill>
+                          <a:latin typeface="Consolas" panose="020B0609020204030204" pitchFamily="49" charset="0"/>
+                        </a:rPr>
+                        <a:t>3.4</a:t>
+                      </a:r>
+                      <a:endParaRPr lang="en-GB" dirty="0">
+                        <a:solidFill>
+                          <a:schemeClr val="accent6">
+                            <a:lumMod val="60000"/>
+                            <a:lumOff val="40000"/>
+                          </a:schemeClr>
+                        </a:solidFill>
+                        <a:latin typeface="Consolas" panose="020B0609020204030204" pitchFamily="49" charset="0"/>
+                      </a:endParaRPr>
+                    </a:p>
+                  </a:txBody>
+                  <a:tcPr>
+                    <a:lnL w="12700" cap="flat" cmpd="sng" algn="ctr">
+                      <a:solidFill>
+                        <a:schemeClr val="bg1"/>
+                      </a:solidFill>
+                      <a:prstDash val="solid"/>
+                      <a:round/>
+                      <a:headEnd type="none" w="med" len="med"/>
+                      <a:tailEnd type="none" w="med" len="med"/>
+                    </a:lnL>
+                    <a:lnR w="12700" cap="flat" cmpd="sng" algn="ctr">
+                      <a:solidFill>
+                        <a:schemeClr val="bg1"/>
+                      </a:solidFill>
+                      <a:prstDash val="solid"/>
+                      <a:round/>
+                      <a:headEnd type="none" w="med" len="med"/>
+                      <a:tailEnd type="none" w="med" len="med"/>
+                    </a:lnR>
+                    <a:lnT w="12700" cap="flat" cmpd="sng" algn="ctr">
+                      <a:solidFill>
+                        <a:schemeClr val="bg1"/>
+                      </a:solidFill>
+                      <a:prstDash val="solid"/>
+                      <a:round/>
+                      <a:headEnd type="none" w="med" len="med"/>
+                      <a:tailEnd type="none" w="med" len="med"/>
+                    </a:lnT>
+                    <a:lnB w="12700" cap="flat" cmpd="sng" algn="ctr">
+                      <a:solidFill>
+                        <a:schemeClr val="bg1"/>
+                      </a:solidFill>
+                      <a:prstDash val="solid"/>
+                      <a:round/>
+                      <a:headEnd type="none" w="med" len="med"/>
+                      <a:tailEnd type="none" w="med" len="med"/>
+                    </a:lnB>
+                    <a:noFill/>
+                  </a:tcPr>
+                </a:tc>
+                <a:tc>
+                  <a:txBody>
+                    <a:bodyPr/>
+                    <a:lstStyle/>
+                    <a:p>
+                      <a:pPr marL="0" marR="0" lvl="0" indent="0" algn="ctr" defTabSz="1828800" rtl="0" eaLnBrk="1" fontAlgn="auto" latinLnBrk="0" hangingPunct="1">
+                        <a:lnSpc>
+                          <a:spcPct val="100000"/>
+                        </a:lnSpc>
+                        <a:spcBef>
+                          <a:spcPts val="0"/>
+                        </a:spcBef>
+                        <a:spcAft>
+                          <a:spcPts val="0"/>
+                        </a:spcAft>
+                        <a:buClrTx/>
+                        <a:buSzTx/>
+                        <a:buFontTx/>
+                        <a:buNone/>
+                        <a:tabLst/>
+                        <a:defRPr/>
+                      </a:pPr>
+                      <a:r>
+                        <a:rPr lang="en-US" dirty="0">
+                          <a:solidFill>
+                            <a:schemeClr val="accent3">
+                              <a:lumMod val="75000"/>
+                            </a:schemeClr>
+                          </a:solidFill>
+                          <a:latin typeface="Consolas" panose="020B0609020204030204" pitchFamily="49" charset="0"/>
+                        </a:rPr>
+                        <a:t>invalid</a:t>
+                      </a:r>
+                      <a:endParaRPr lang="en-GB" dirty="0">
+                        <a:solidFill>
+                          <a:schemeClr val="accent3">
+                            <a:lumMod val="75000"/>
+                          </a:schemeClr>
+                        </a:solidFill>
+                        <a:latin typeface="Consolas" panose="020B0609020204030204" pitchFamily="49" charset="0"/>
+                      </a:endParaRPr>
+                    </a:p>
+                  </a:txBody>
+                  <a:tcPr>
+                    <a:lnL w="12700" cap="flat" cmpd="sng" algn="ctr">
+                      <a:solidFill>
+                        <a:schemeClr val="bg1"/>
+                      </a:solidFill>
+                      <a:prstDash val="solid"/>
+                      <a:round/>
+                      <a:headEnd type="none" w="med" len="med"/>
+                      <a:tailEnd type="none" w="med" len="med"/>
+                    </a:lnL>
+                    <a:lnR w="12700" cap="flat" cmpd="sng" algn="ctr">
+                      <a:solidFill>
+                        <a:schemeClr val="bg1"/>
+                      </a:solidFill>
+                      <a:prstDash val="solid"/>
+                      <a:round/>
+                      <a:headEnd type="none" w="med" len="med"/>
+                      <a:tailEnd type="none" w="med" len="med"/>
+                    </a:lnR>
+                    <a:lnT w="12700" cap="flat" cmpd="sng" algn="ctr">
+                      <a:solidFill>
+                        <a:schemeClr val="bg1"/>
+                      </a:solidFill>
+                      <a:prstDash val="solid"/>
+                      <a:round/>
+                      <a:headEnd type="none" w="med" len="med"/>
+                      <a:tailEnd type="none" w="med" len="med"/>
+                    </a:lnT>
+                    <a:lnB w="12700" cap="flat" cmpd="sng" algn="ctr">
+                      <a:solidFill>
+                        <a:schemeClr val="bg1"/>
+                      </a:solidFill>
+                      <a:prstDash val="solid"/>
+                      <a:round/>
+                      <a:headEnd type="none" w="med" len="med"/>
+                      <a:tailEnd type="none" w="med" len="med"/>
+                    </a:lnB>
+                    <a:solidFill>
+                      <a:schemeClr val="accent3">
+                        <a:lumMod val="50000"/>
+                      </a:schemeClr>
+                    </a:solidFill>
+                  </a:tcPr>
+                </a:tc>
+                <a:tc>
+                  <a:txBody>
+                    <a:bodyPr/>
+                    <a:lstStyle/>
+                    <a:p>
+                      <a:pPr marL="0" marR="0" lvl="0" indent="0" algn="ctr" defTabSz="1828800" rtl="0" eaLnBrk="1" fontAlgn="auto" latinLnBrk="0" hangingPunct="1">
+                        <a:lnSpc>
+                          <a:spcPct val="100000"/>
+                        </a:lnSpc>
+                        <a:spcBef>
+                          <a:spcPts val="0"/>
+                        </a:spcBef>
+                        <a:spcAft>
+                          <a:spcPts val="0"/>
+                        </a:spcAft>
+                        <a:buClrTx/>
+                        <a:buSzTx/>
+                        <a:buFontTx/>
+                        <a:buNone/>
+                        <a:tabLst/>
+                        <a:defRPr/>
+                      </a:pPr>
+                      <a:r>
+                        <a:rPr lang="en-US" dirty="0">
+                          <a:solidFill>
+                            <a:schemeClr val="accent2">
+                              <a:lumMod val="40000"/>
+                              <a:lumOff val="60000"/>
+                            </a:schemeClr>
+                          </a:solidFill>
+                          <a:latin typeface="Consolas" panose="020B0609020204030204" pitchFamily="49" charset="0"/>
+                        </a:rPr>
+                        <a:t>goto 4.5</a:t>
+                      </a:r>
+                      <a:endParaRPr lang="en-GB" dirty="0">
+                        <a:solidFill>
+                          <a:schemeClr val="accent2">
+                            <a:lumMod val="40000"/>
+                            <a:lumOff val="60000"/>
+                          </a:schemeClr>
+                        </a:solidFill>
+                        <a:latin typeface="Consolas" panose="020B0609020204030204" pitchFamily="49" charset="0"/>
+                      </a:endParaRPr>
+                    </a:p>
+                  </a:txBody>
+                  <a:tcPr>
+                    <a:lnL w="12700" cap="flat" cmpd="sng" algn="ctr">
+                      <a:solidFill>
+                        <a:schemeClr val="bg1"/>
+                      </a:solidFill>
+                      <a:prstDash val="solid"/>
+                      <a:round/>
+                      <a:headEnd type="none" w="med" len="med"/>
+                      <a:tailEnd type="none" w="med" len="med"/>
+                    </a:lnL>
+                    <a:lnR w="12700" cap="flat" cmpd="sng" algn="ctr">
+                      <a:solidFill>
+                        <a:schemeClr val="tx1"/>
+                      </a:solidFill>
+                      <a:prstDash val="solid"/>
+                      <a:round/>
+                      <a:headEnd type="none" w="med" len="med"/>
+                      <a:tailEnd type="none" w="med" len="med"/>
+                    </a:lnR>
+                    <a:lnT w="12700" cap="flat" cmpd="sng" algn="ctr">
+                      <a:solidFill>
+                        <a:schemeClr val="bg1"/>
+                      </a:solidFill>
+                      <a:prstDash val="solid"/>
+                      <a:round/>
+                      <a:headEnd type="none" w="med" len="med"/>
+                      <a:tailEnd type="none" w="med" len="med"/>
+                    </a:lnT>
+                    <a:lnB w="12700" cap="flat" cmpd="sng" algn="ctr">
+                      <a:solidFill>
+                        <a:schemeClr val="bg1"/>
+                      </a:solidFill>
+                      <a:prstDash val="solid"/>
+                      <a:round/>
+                      <a:headEnd type="none" w="med" len="med"/>
+                      <a:tailEnd type="none" w="med" len="med"/>
+                    </a:lnB>
+                    <a:solidFill>
+                      <a:schemeClr val="accent2">
+                        <a:lumMod val="50000"/>
+                      </a:schemeClr>
+                    </a:solidFill>
+                  </a:tcPr>
+                </a:tc>
+                <a:extLst>
+                  <a:ext uri="{0D108BD9-81ED-4DB2-BD59-A6C34878D82A}">
+                    <a16:rowId xmlns:a16="http://schemas.microsoft.com/office/drawing/2014/main" val="3548698681"/>
+                  </a:ext>
+                </a:extLst>
+              </a:tr>
+              <a:tr h="484828">
+                <a:tc>
+                  <a:txBody>
+                    <a:bodyPr/>
+                    <a:lstStyle/>
+                    <a:p>
+                      <a:pPr algn="ctr"/>
+                      <a:r>
+                        <a:rPr lang="en-US" dirty="0">
+                          <a:solidFill>
+                            <a:schemeClr val="bg1"/>
+                          </a:solidFill>
+                          <a:latin typeface="Consolas" panose="020B0609020204030204" pitchFamily="49" charset="0"/>
+                        </a:rPr>
+                        <a:t>To 5</a:t>
+                      </a:r>
+                      <a:endParaRPr lang="en-GB" dirty="0">
+                        <a:solidFill>
+                          <a:schemeClr val="bg1"/>
+                        </a:solidFill>
+                        <a:latin typeface="Consolas" panose="020B0609020204030204" pitchFamily="49" charset="0"/>
+                      </a:endParaRPr>
+                    </a:p>
+                  </a:txBody>
+                  <a:tcPr>
+                    <a:lnL w="12700" cap="flat" cmpd="sng" algn="ctr">
+                      <a:noFill/>
+                      <a:prstDash val="solid"/>
+                      <a:round/>
+                      <a:headEnd type="none" w="med" len="med"/>
+                      <a:tailEnd type="none" w="med" len="med"/>
+                    </a:lnL>
+                    <a:lnR w="12700" cap="flat" cmpd="sng" algn="ctr">
+                      <a:solidFill>
+                        <a:schemeClr val="bg1"/>
+                      </a:solidFill>
+                      <a:prstDash val="solid"/>
+                      <a:round/>
+                      <a:headEnd type="none" w="med" len="med"/>
+                      <a:tailEnd type="none" w="med" len="med"/>
+                    </a:lnR>
+                    <a:lnT w="12700" cap="flat" cmpd="sng" algn="ctr">
+                      <a:solidFill>
+                        <a:schemeClr val="bg1"/>
+                      </a:solidFill>
+                      <a:prstDash val="solid"/>
+                      <a:round/>
+                      <a:headEnd type="none" w="med" len="med"/>
+                      <a:tailEnd type="none" w="med" len="med"/>
+                    </a:lnT>
+                    <a:lnB w="12700" cap="flat" cmpd="sng" algn="ctr">
+                      <a:solidFill>
+                        <a:schemeClr val="bg1"/>
+                      </a:solidFill>
+                      <a:prstDash val="solid"/>
+                      <a:round/>
+                      <a:headEnd type="none" w="med" len="med"/>
+                      <a:tailEnd type="none" w="med" len="med"/>
+                    </a:lnB>
+                    <a:lnTlToBr w="12700" cmpd="sng">
+                      <a:noFill/>
+                      <a:prstDash val="solid"/>
+                    </a:lnTlToBr>
+                    <a:lnBlToTr w="12700" cmpd="sng">
+                      <a:noFill/>
+                      <a:prstDash val="solid"/>
+                    </a:lnBlToTr>
+                    <a:noFill/>
+                  </a:tcPr>
+                </a:tc>
+                <a:tc>
+                  <a:txBody>
+                    <a:bodyPr/>
+                    <a:lstStyle/>
+                    <a:p>
+                      <a:pPr algn="ctr"/>
+                      <a:r>
+                        <a:rPr lang="en-US" dirty="0">
+                          <a:solidFill>
+                            <a:schemeClr val="accent6">
+                              <a:lumMod val="60000"/>
+                              <a:lumOff val="40000"/>
+                            </a:schemeClr>
+                          </a:solidFill>
+                          <a:latin typeface="Consolas" panose="020B0609020204030204" pitchFamily="49" charset="0"/>
+                        </a:rPr>
+                        <a:t>1.5</a:t>
+                      </a:r>
+                      <a:endParaRPr lang="en-GB" dirty="0">
+                        <a:solidFill>
+                          <a:schemeClr val="accent6">
+                            <a:lumMod val="60000"/>
+                            <a:lumOff val="40000"/>
+                          </a:schemeClr>
+                        </a:solidFill>
+                        <a:latin typeface="Consolas" panose="020B0609020204030204" pitchFamily="49" charset="0"/>
+                      </a:endParaRPr>
+                    </a:p>
+                  </a:txBody>
+                  <a:tcPr>
+                    <a:lnL w="12700" cap="flat" cmpd="sng" algn="ctr">
+                      <a:solidFill>
+                        <a:schemeClr val="bg1"/>
+                      </a:solidFill>
+                      <a:prstDash val="solid"/>
+                      <a:round/>
+                      <a:headEnd type="none" w="med" len="med"/>
+                      <a:tailEnd type="none" w="med" len="med"/>
+                    </a:lnL>
+                    <a:lnR w="12700" cap="flat" cmpd="sng" algn="ctr">
+                      <a:solidFill>
+                        <a:schemeClr val="bg1"/>
+                      </a:solidFill>
+                      <a:prstDash val="solid"/>
+                      <a:round/>
+                      <a:headEnd type="none" w="med" len="med"/>
+                      <a:tailEnd type="none" w="med" len="med"/>
+                    </a:lnR>
+                    <a:lnT w="12700" cap="flat" cmpd="sng" algn="ctr">
+                      <a:solidFill>
+                        <a:schemeClr val="bg1"/>
+                      </a:solidFill>
+                      <a:prstDash val="solid"/>
+                      <a:round/>
+                      <a:headEnd type="none" w="med" len="med"/>
+                      <a:tailEnd type="none" w="med" len="med"/>
+                    </a:lnT>
+                    <a:lnB w="12700" cap="flat" cmpd="sng" algn="ctr">
+                      <a:solidFill>
+                        <a:schemeClr val="bg1"/>
+                      </a:solidFill>
+                      <a:prstDash val="solid"/>
+                      <a:round/>
+                      <a:headEnd type="none" w="med" len="med"/>
+                      <a:tailEnd type="none" w="med" len="med"/>
+                    </a:lnB>
+                    <a:noFill/>
+                  </a:tcPr>
+                </a:tc>
+                <a:tc gridSpan="2">
+                  <a:txBody>
+                    <a:bodyPr/>
+                    <a:lstStyle/>
+                    <a:p>
+                      <a:pPr algn="ctr"/>
+                      <a:r>
+                        <a:rPr lang="en-US" dirty="0">
+                          <a:solidFill>
+                            <a:schemeClr val="accent6">
+                              <a:lumMod val="60000"/>
+                              <a:lumOff val="40000"/>
+                            </a:schemeClr>
+                          </a:solidFill>
+                          <a:latin typeface="Consolas" panose="020B0609020204030204" pitchFamily="49" charset="0"/>
+                        </a:rPr>
+                        <a:t>2.5</a:t>
+                      </a:r>
+                      <a:endParaRPr lang="en-GB" dirty="0">
+                        <a:solidFill>
+                          <a:schemeClr val="accent6">
+                            <a:lumMod val="60000"/>
+                            <a:lumOff val="40000"/>
+                          </a:schemeClr>
+                        </a:solidFill>
+                        <a:latin typeface="Consolas" panose="020B0609020204030204" pitchFamily="49" charset="0"/>
+                      </a:endParaRPr>
+                    </a:p>
+                  </a:txBody>
+                  <a:tcPr>
+                    <a:lnL w="12700" cap="flat" cmpd="sng" algn="ctr">
+                      <a:solidFill>
+                        <a:schemeClr val="bg1"/>
+                      </a:solidFill>
+                      <a:prstDash val="solid"/>
+                      <a:round/>
+                      <a:headEnd type="none" w="med" len="med"/>
+                      <a:tailEnd type="none" w="med" len="med"/>
+                    </a:lnL>
+                    <a:lnR w="12700" cap="flat" cmpd="sng" algn="ctr">
+                      <a:solidFill>
+                        <a:schemeClr val="bg1"/>
+                      </a:solidFill>
+                      <a:prstDash val="solid"/>
+                      <a:round/>
+                      <a:headEnd type="none" w="med" len="med"/>
+                      <a:tailEnd type="none" w="med" len="med"/>
+                    </a:lnR>
+                    <a:lnT w="12700" cap="flat" cmpd="sng" algn="ctr">
+                      <a:solidFill>
+                        <a:schemeClr val="bg1"/>
+                      </a:solidFill>
+                      <a:prstDash val="solid"/>
+                      <a:round/>
+                      <a:headEnd type="none" w="med" len="med"/>
+                      <a:tailEnd type="none" w="med" len="med"/>
+                    </a:lnT>
+                    <a:lnB w="12700" cap="flat" cmpd="sng" algn="ctr">
+                      <a:solidFill>
+                        <a:schemeClr val="bg1"/>
+                      </a:solidFill>
+                      <a:prstDash val="solid"/>
+                      <a:round/>
+                      <a:headEnd type="none" w="med" len="med"/>
+                      <a:tailEnd type="none" w="med" len="med"/>
+                    </a:lnB>
+                    <a:noFill/>
+                  </a:tcPr>
+                </a:tc>
+                <a:tc hMerge="1">
+                  <a:txBody>
+                    <a:bodyPr/>
+                    <a:lstStyle/>
+                    <a:p>
+                      <a:endParaRPr lang="en-GB" dirty="0"/>
+                    </a:p>
+                  </a:txBody>
+                  <a:tcPr>
+                    <a:lnL w="12700" cap="flat" cmpd="sng" algn="ctr">
+                      <a:solidFill>
+                        <a:schemeClr val="bg1"/>
+                      </a:solidFill>
+                      <a:prstDash val="solid"/>
+                      <a:round/>
+                      <a:headEnd type="none" w="med" len="med"/>
+                      <a:tailEnd type="none" w="med" len="med"/>
+                    </a:lnL>
+                    <a:lnR w="12700" cap="flat" cmpd="sng" algn="ctr">
+                      <a:solidFill>
+                        <a:schemeClr val="bg1"/>
+                      </a:solidFill>
+                      <a:prstDash val="solid"/>
+                      <a:round/>
+                      <a:headEnd type="none" w="med" len="med"/>
+                      <a:tailEnd type="none" w="med" len="med"/>
+                    </a:lnR>
+                    <a:lnT w="12700" cap="flat" cmpd="sng" algn="ctr">
+                      <a:solidFill>
+                        <a:schemeClr val="bg1"/>
+                      </a:solidFill>
+                      <a:prstDash val="solid"/>
+                      <a:round/>
+                      <a:headEnd type="none" w="med" len="med"/>
+                      <a:tailEnd type="none" w="med" len="med"/>
+                    </a:lnT>
+                    <a:lnB w="12700" cap="flat" cmpd="sng" algn="ctr">
+                      <a:solidFill>
+                        <a:schemeClr val="bg1"/>
+                      </a:solidFill>
+                      <a:prstDash val="solid"/>
+                      <a:round/>
+                      <a:headEnd type="none" w="med" len="med"/>
+                      <a:tailEnd type="none" w="med" len="med"/>
+                    </a:lnB>
+                    <a:noFill/>
+                  </a:tcPr>
+                </a:tc>
+                <a:tc>
+                  <a:txBody>
+                    <a:bodyPr/>
+                    <a:lstStyle/>
+                    <a:p>
+                      <a:pPr algn="ctr"/>
+                      <a:r>
+                        <a:rPr lang="en-US" dirty="0">
+                          <a:solidFill>
+                            <a:schemeClr val="accent6">
+                              <a:lumMod val="60000"/>
+                              <a:lumOff val="40000"/>
+                            </a:schemeClr>
+                          </a:solidFill>
+                          <a:latin typeface="Consolas" panose="020B0609020204030204" pitchFamily="49" charset="0"/>
+                        </a:rPr>
+                        <a:t>3.5</a:t>
+                      </a:r>
+                      <a:endParaRPr lang="en-GB" dirty="0">
+                        <a:solidFill>
+                          <a:schemeClr val="accent6">
+                            <a:lumMod val="60000"/>
+                            <a:lumOff val="40000"/>
+                          </a:schemeClr>
+                        </a:solidFill>
+                        <a:latin typeface="Consolas" panose="020B0609020204030204" pitchFamily="49" charset="0"/>
+                      </a:endParaRPr>
+                    </a:p>
+                  </a:txBody>
+                  <a:tcPr>
+                    <a:lnL w="12700" cap="flat" cmpd="sng" algn="ctr">
+                      <a:solidFill>
+                        <a:schemeClr val="bg1"/>
+                      </a:solidFill>
+                      <a:prstDash val="solid"/>
+                      <a:round/>
+                      <a:headEnd type="none" w="med" len="med"/>
+                      <a:tailEnd type="none" w="med" len="med"/>
+                    </a:lnL>
+                    <a:lnR w="12700" cap="flat" cmpd="sng" algn="ctr">
+                      <a:solidFill>
+                        <a:schemeClr val="bg1"/>
+                      </a:solidFill>
+                      <a:prstDash val="solid"/>
+                      <a:round/>
+                      <a:headEnd type="none" w="med" len="med"/>
+                      <a:tailEnd type="none" w="med" len="med"/>
+                    </a:lnR>
+                    <a:lnT w="12700" cap="flat" cmpd="sng" algn="ctr">
+                      <a:solidFill>
+                        <a:schemeClr val="bg1"/>
+                      </a:solidFill>
+                      <a:prstDash val="solid"/>
+                      <a:round/>
+                      <a:headEnd type="none" w="med" len="med"/>
+                      <a:tailEnd type="none" w="med" len="med"/>
+                    </a:lnT>
+                    <a:lnB w="12700" cap="flat" cmpd="sng" algn="ctr">
+                      <a:solidFill>
+                        <a:schemeClr val="bg1"/>
+                      </a:solidFill>
+                      <a:prstDash val="solid"/>
+                      <a:round/>
+                      <a:headEnd type="none" w="med" len="med"/>
+                      <a:tailEnd type="none" w="med" len="med"/>
+                    </a:lnB>
+                    <a:noFill/>
+                  </a:tcPr>
+                </a:tc>
+                <a:tc>
+                  <a:txBody>
+                    <a:bodyPr/>
+                    <a:lstStyle/>
+                    <a:p>
+                      <a:pPr algn="ctr"/>
+                      <a:r>
+                        <a:rPr lang="en-US" dirty="0">
+                          <a:solidFill>
+                            <a:schemeClr val="accent6">
+                              <a:lumMod val="60000"/>
+                              <a:lumOff val="40000"/>
+                            </a:schemeClr>
+                          </a:solidFill>
+                          <a:latin typeface="Consolas" panose="020B0609020204030204" pitchFamily="49" charset="0"/>
+                        </a:rPr>
+                        <a:t>4.5</a:t>
+                      </a:r>
+                      <a:endParaRPr lang="en-GB" dirty="0">
+                        <a:solidFill>
+                          <a:schemeClr val="accent6">
+                            <a:lumMod val="60000"/>
+                            <a:lumOff val="40000"/>
+                          </a:schemeClr>
+                        </a:solidFill>
+                        <a:latin typeface="Consolas" panose="020B0609020204030204" pitchFamily="49" charset="0"/>
+                      </a:endParaRPr>
+                    </a:p>
+                  </a:txBody>
+                  <a:tcPr>
+                    <a:lnL w="12700" cap="flat" cmpd="sng" algn="ctr">
+                      <a:solidFill>
+                        <a:schemeClr val="bg1"/>
+                      </a:solidFill>
+                      <a:prstDash val="solid"/>
+                      <a:round/>
+                      <a:headEnd type="none" w="med" len="med"/>
+                      <a:tailEnd type="none" w="med" len="med"/>
+                    </a:lnL>
+                    <a:lnR w="12700" cap="flat" cmpd="sng" algn="ctr">
+                      <a:solidFill>
+                        <a:schemeClr val="bg1"/>
+                      </a:solidFill>
+                      <a:prstDash val="solid"/>
+                      <a:round/>
+                      <a:headEnd type="none" w="med" len="med"/>
+                      <a:tailEnd type="none" w="med" len="med"/>
+                    </a:lnR>
+                    <a:lnT w="12700" cap="flat" cmpd="sng" algn="ctr">
+                      <a:solidFill>
+                        <a:schemeClr val="bg1"/>
+                      </a:solidFill>
+                      <a:prstDash val="solid"/>
+                      <a:round/>
+                      <a:headEnd type="none" w="med" len="med"/>
+                      <a:tailEnd type="none" w="med" len="med"/>
+                    </a:lnT>
+                    <a:lnB w="12700" cap="flat" cmpd="sng" algn="ctr">
+                      <a:solidFill>
+                        <a:schemeClr val="bg1"/>
+                      </a:solidFill>
+                      <a:prstDash val="solid"/>
+                      <a:round/>
+                      <a:headEnd type="none" w="med" len="med"/>
+                      <a:tailEnd type="none" w="med" len="med"/>
+                    </a:lnB>
+                    <a:noFill/>
+                  </a:tcPr>
+                </a:tc>
+                <a:tc>
+                  <a:txBody>
+                    <a:bodyPr/>
+                    <a:lstStyle/>
+                    <a:p>
+                      <a:pPr marL="0" marR="0" lvl="0" indent="0" algn="ctr" defTabSz="1828800" rtl="0" eaLnBrk="1" fontAlgn="auto" latinLnBrk="0" hangingPunct="1">
+                        <a:lnSpc>
+                          <a:spcPct val="100000"/>
+                        </a:lnSpc>
+                        <a:spcBef>
+                          <a:spcPts val="0"/>
+                        </a:spcBef>
+                        <a:spcAft>
+                          <a:spcPts val="0"/>
+                        </a:spcAft>
+                        <a:buClrTx/>
+                        <a:buSzTx/>
+                        <a:buFontTx/>
+                        <a:buNone/>
+                        <a:tabLst/>
+                        <a:defRPr/>
+                      </a:pPr>
+                      <a:r>
+                        <a:rPr lang="en-US" dirty="0">
+                          <a:solidFill>
+                            <a:schemeClr val="accent3">
+                              <a:lumMod val="75000"/>
+                            </a:schemeClr>
+                          </a:solidFill>
+                          <a:latin typeface="Consolas" panose="020B0609020204030204" pitchFamily="49" charset="0"/>
+                        </a:rPr>
+                        <a:t>invalid</a:t>
+                      </a:r>
+                      <a:endParaRPr lang="en-GB" dirty="0">
+                        <a:solidFill>
+                          <a:schemeClr val="accent3">
+                            <a:lumMod val="75000"/>
+                          </a:schemeClr>
+                        </a:solidFill>
+                        <a:latin typeface="Consolas" panose="020B0609020204030204" pitchFamily="49" charset="0"/>
+                      </a:endParaRPr>
+                    </a:p>
+                  </a:txBody>
+                  <a:tcPr>
+                    <a:lnL w="12700" cap="flat" cmpd="sng" algn="ctr">
+                      <a:solidFill>
+                        <a:schemeClr val="bg1"/>
+                      </a:solidFill>
+                      <a:prstDash val="solid"/>
+                      <a:round/>
+                      <a:headEnd type="none" w="med" len="med"/>
+                      <a:tailEnd type="none" w="med" len="med"/>
+                    </a:lnL>
+                    <a:lnR w="12700" cap="flat" cmpd="sng" algn="ctr">
+                      <a:noFill/>
+                      <a:prstDash val="solid"/>
+                      <a:round/>
+                      <a:headEnd type="none" w="med" len="med"/>
+                      <a:tailEnd type="none" w="med" len="med"/>
+                    </a:lnR>
+                    <a:lnT w="12700" cap="flat" cmpd="sng" algn="ctr">
+                      <a:solidFill>
+                        <a:schemeClr val="bg1"/>
+                      </a:solidFill>
+                      <a:prstDash val="solid"/>
+                      <a:round/>
+                      <a:headEnd type="none" w="med" len="med"/>
+                      <a:tailEnd type="none" w="med" len="med"/>
+                    </a:lnT>
+                    <a:lnB w="12700" cap="flat" cmpd="sng" algn="ctr">
+                      <a:solidFill>
+                        <a:schemeClr val="bg1"/>
+                      </a:solidFill>
+                      <a:prstDash val="solid"/>
+                      <a:round/>
+                      <a:headEnd type="none" w="med" len="med"/>
+                      <a:tailEnd type="none" w="med" len="med"/>
+                    </a:lnB>
+                    <a:solidFill>
+                      <a:schemeClr val="accent3">
+                        <a:lumMod val="50000"/>
+                      </a:schemeClr>
+                    </a:solidFill>
+                  </a:tcPr>
+                </a:tc>
+                <a:extLst>
+                  <a:ext uri="{0D108BD9-81ED-4DB2-BD59-A6C34878D82A}">
+                    <a16:rowId xmlns:a16="http://schemas.microsoft.com/office/drawing/2014/main" val="4030942088"/>
+                  </a:ext>
+                </a:extLst>
+              </a:tr>
+            </a:tbl>
+          </a:graphicData>
+        </a:graphic>
+      </p:graphicFrame>
+    </p:spTree>
+    <p:extLst>
+      <p:ext uri="{BB962C8B-B14F-4D97-AF65-F5344CB8AC3E}">
+        <p14:creationId xmlns:p14="http://schemas.microsoft.com/office/powerpoint/2010/main" val="299207095"/>
       </p:ext>
     </p:extLst>
   </p:cSld>
